--- a/images/presentation.pptx
+++ b/images/presentation.pptx
@@ -113,7 +113,2900 @@
       </a:defRPr>
     </a:lvl9pPr>
   </p:defaultTextStyle>
+  <p:extLst>
+    <p:ext uri="{EFAFB233-063F-42B5-8137-9DF3F51BA10A}">
+      <p15:sldGuideLst xmlns:p15="http://schemas.microsoft.com/office/powerpoint/2012/main"/>
+    </p:ext>
+  </p:extLst>
 </p:presentation>
+</file>
+
+<file path=ppt/diagrams/colors1.xml><?xml version="1.0" encoding="utf-8"?>
+<dgm:colorsDef xmlns:dgm="http://schemas.openxmlformats.org/drawingml/2006/diagram" xmlns:a="http://schemas.openxmlformats.org/drawingml/2006/main" uniqueId="urn:microsoft.com/office/officeart/2005/8/colors/accent1_2">
+  <dgm:title val=""/>
+  <dgm:desc val=""/>
+  <dgm:catLst>
+    <dgm:cat type="accent1" pri="11200"/>
+  </dgm:catLst>
+  <dgm:styleLbl name="node0">
+    <dgm:fillClrLst meth="repeat">
+      <a:schemeClr val="accent1"/>
+    </dgm:fillClrLst>
+    <dgm:linClrLst meth="repeat">
+      <a:schemeClr val="lt1"/>
+    </dgm:linClrLst>
+    <dgm:effectClrLst/>
+    <dgm:txLinClrLst/>
+    <dgm:txFillClrLst/>
+    <dgm:txEffectClrLst/>
+  </dgm:styleLbl>
+  <dgm:styleLbl name="alignNode1">
+    <dgm:fillClrLst meth="repeat">
+      <a:schemeClr val="accent1"/>
+    </dgm:fillClrLst>
+    <dgm:linClrLst meth="repeat">
+      <a:schemeClr val="accent1"/>
+    </dgm:linClrLst>
+    <dgm:effectClrLst/>
+    <dgm:txLinClrLst/>
+    <dgm:txFillClrLst/>
+    <dgm:txEffectClrLst/>
+  </dgm:styleLbl>
+  <dgm:styleLbl name="node1">
+    <dgm:fillClrLst meth="repeat">
+      <a:schemeClr val="accent1"/>
+    </dgm:fillClrLst>
+    <dgm:linClrLst meth="repeat">
+      <a:schemeClr val="lt1"/>
+    </dgm:linClrLst>
+    <dgm:effectClrLst/>
+    <dgm:txLinClrLst/>
+    <dgm:txFillClrLst/>
+    <dgm:txEffectClrLst/>
+  </dgm:styleLbl>
+  <dgm:styleLbl name="lnNode1">
+    <dgm:fillClrLst meth="repeat">
+      <a:schemeClr val="accent1"/>
+    </dgm:fillClrLst>
+    <dgm:linClrLst meth="repeat">
+      <a:schemeClr val="lt1"/>
+    </dgm:linClrLst>
+    <dgm:effectClrLst/>
+    <dgm:txLinClrLst/>
+    <dgm:txFillClrLst/>
+    <dgm:txEffectClrLst/>
+  </dgm:styleLbl>
+  <dgm:styleLbl name="vennNode1">
+    <dgm:fillClrLst meth="repeat">
+      <a:schemeClr val="accent1">
+        <a:alpha val="50000"/>
+      </a:schemeClr>
+    </dgm:fillClrLst>
+    <dgm:linClrLst meth="repeat">
+      <a:schemeClr val="lt1"/>
+    </dgm:linClrLst>
+    <dgm:effectClrLst/>
+    <dgm:txLinClrLst/>
+    <dgm:txFillClrLst/>
+    <dgm:txEffectClrLst/>
+  </dgm:styleLbl>
+  <dgm:styleLbl name="node2">
+    <dgm:fillClrLst meth="repeat">
+      <a:schemeClr val="accent1"/>
+    </dgm:fillClrLst>
+    <dgm:linClrLst meth="repeat">
+      <a:schemeClr val="lt1"/>
+    </dgm:linClrLst>
+    <dgm:effectClrLst/>
+    <dgm:txLinClrLst/>
+    <dgm:txFillClrLst/>
+    <dgm:txEffectClrLst/>
+  </dgm:styleLbl>
+  <dgm:styleLbl name="node3">
+    <dgm:fillClrLst meth="repeat">
+      <a:schemeClr val="accent1"/>
+    </dgm:fillClrLst>
+    <dgm:linClrLst meth="repeat">
+      <a:schemeClr val="lt1"/>
+    </dgm:linClrLst>
+    <dgm:effectClrLst/>
+    <dgm:txLinClrLst/>
+    <dgm:txFillClrLst/>
+    <dgm:txEffectClrLst/>
+  </dgm:styleLbl>
+  <dgm:styleLbl name="node4">
+    <dgm:fillClrLst meth="repeat">
+      <a:schemeClr val="accent1"/>
+    </dgm:fillClrLst>
+    <dgm:linClrLst meth="repeat">
+      <a:schemeClr val="lt1"/>
+    </dgm:linClrLst>
+    <dgm:effectClrLst/>
+    <dgm:txLinClrLst/>
+    <dgm:txFillClrLst/>
+    <dgm:txEffectClrLst/>
+  </dgm:styleLbl>
+  <dgm:styleLbl name="fgImgPlace1">
+    <dgm:fillClrLst meth="repeat">
+      <a:schemeClr val="accent1">
+        <a:tint val="50000"/>
+      </a:schemeClr>
+    </dgm:fillClrLst>
+    <dgm:linClrLst meth="repeat">
+      <a:schemeClr val="lt1"/>
+    </dgm:linClrLst>
+    <dgm:effectClrLst/>
+    <dgm:txLinClrLst/>
+    <dgm:txFillClrLst meth="repeat">
+      <a:schemeClr val="lt1"/>
+    </dgm:txFillClrLst>
+    <dgm:txEffectClrLst/>
+  </dgm:styleLbl>
+  <dgm:styleLbl name="alignImgPlace1">
+    <dgm:fillClrLst meth="repeat">
+      <a:schemeClr val="accent1">
+        <a:tint val="50000"/>
+      </a:schemeClr>
+    </dgm:fillClrLst>
+    <dgm:linClrLst meth="repeat">
+      <a:schemeClr val="lt1"/>
+    </dgm:linClrLst>
+    <dgm:effectClrLst/>
+    <dgm:txLinClrLst/>
+    <dgm:txFillClrLst meth="repeat">
+      <a:schemeClr val="lt1"/>
+    </dgm:txFillClrLst>
+    <dgm:txEffectClrLst/>
+  </dgm:styleLbl>
+  <dgm:styleLbl name="bgImgPlace1">
+    <dgm:fillClrLst meth="repeat">
+      <a:schemeClr val="accent1">
+        <a:tint val="50000"/>
+      </a:schemeClr>
+    </dgm:fillClrLst>
+    <dgm:linClrLst meth="repeat">
+      <a:schemeClr val="lt1"/>
+    </dgm:linClrLst>
+    <dgm:effectClrLst/>
+    <dgm:txLinClrLst/>
+    <dgm:txFillClrLst meth="repeat">
+      <a:schemeClr val="lt1"/>
+    </dgm:txFillClrLst>
+    <dgm:txEffectClrLst/>
+  </dgm:styleLbl>
+  <dgm:styleLbl name="sibTrans2D1">
+    <dgm:fillClrLst meth="repeat">
+      <a:schemeClr val="accent1">
+        <a:tint val="60000"/>
+      </a:schemeClr>
+    </dgm:fillClrLst>
+    <dgm:linClrLst meth="repeat">
+      <a:schemeClr val="accent1">
+        <a:tint val="60000"/>
+      </a:schemeClr>
+    </dgm:linClrLst>
+    <dgm:effectClrLst/>
+    <dgm:txLinClrLst/>
+    <dgm:txFillClrLst/>
+    <dgm:txEffectClrLst/>
+  </dgm:styleLbl>
+  <dgm:styleLbl name="fgSibTrans2D1">
+    <dgm:fillClrLst meth="repeat">
+      <a:schemeClr val="accent1">
+        <a:tint val="60000"/>
+      </a:schemeClr>
+    </dgm:fillClrLst>
+    <dgm:linClrLst meth="repeat">
+      <a:schemeClr val="accent1">
+        <a:tint val="60000"/>
+      </a:schemeClr>
+    </dgm:linClrLst>
+    <dgm:effectClrLst/>
+    <dgm:txLinClrLst/>
+    <dgm:txFillClrLst/>
+    <dgm:txEffectClrLst/>
+  </dgm:styleLbl>
+  <dgm:styleLbl name="bgSibTrans2D1">
+    <dgm:fillClrLst meth="repeat">
+      <a:schemeClr val="accent1">
+        <a:tint val="60000"/>
+      </a:schemeClr>
+    </dgm:fillClrLst>
+    <dgm:linClrLst meth="repeat">
+      <a:schemeClr val="accent1">
+        <a:tint val="60000"/>
+      </a:schemeClr>
+    </dgm:linClrLst>
+    <dgm:effectClrLst/>
+    <dgm:txLinClrLst/>
+    <dgm:txFillClrLst/>
+    <dgm:txEffectClrLst/>
+  </dgm:styleLbl>
+  <dgm:styleLbl name="sibTrans1D1">
+    <dgm:fillClrLst meth="repeat">
+      <a:schemeClr val="accent1"/>
+    </dgm:fillClrLst>
+    <dgm:linClrLst meth="repeat">
+      <a:schemeClr val="accent1"/>
+    </dgm:linClrLst>
+    <dgm:effectClrLst/>
+    <dgm:txLinClrLst/>
+    <dgm:txFillClrLst meth="repeat">
+      <a:schemeClr val="tx1"/>
+    </dgm:txFillClrLst>
+    <dgm:txEffectClrLst/>
+  </dgm:styleLbl>
+  <dgm:styleLbl name="callout">
+    <dgm:fillClrLst meth="repeat">
+      <a:schemeClr val="accent1"/>
+    </dgm:fillClrLst>
+    <dgm:linClrLst meth="repeat">
+      <a:schemeClr val="accent1">
+        <a:tint val="50000"/>
+      </a:schemeClr>
+    </dgm:linClrLst>
+    <dgm:effectClrLst/>
+    <dgm:txLinClrLst/>
+    <dgm:txFillClrLst meth="repeat">
+      <a:schemeClr val="tx1"/>
+    </dgm:txFillClrLst>
+    <dgm:txEffectClrLst/>
+  </dgm:styleLbl>
+  <dgm:styleLbl name="asst0">
+    <dgm:fillClrLst meth="repeat">
+      <a:schemeClr val="accent1"/>
+    </dgm:fillClrLst>
+    <dgm:linClrLst meth="repeat">
+      <a:schemeClr val="lt1"/>
+    </dgm:linClrLst>
+    <dgm:effectClrLst/>
+    <dgm:txLinClrLst/>
+    <dgm:txFillClrLst/>
+    <dgm:txEffectClrLst/>
+  </dgm:styleLbl>
+  <dgm:styleLbl name="asst1">
+    <dgm:fillClrLst meth="repeat">
+      <a:schemeClr val="accent1"/>
+    </dgm:fillClrLst>
+    <dgm:linClrLst meth="repeat">
+      <a:schemeClr val="lt1"/>
+    </dgm:linClrLst>
+    <dgm:effectClrLst/>
+    <dgm:txLinClrLst/>
+    <dgm:txFillClrLst/>
+    <dgm:txEffectClrLst/>
+  </dgm:styleLbl>
+  <dgm:styleLbl name="asst2">
+    <dgm:fillClrLst meth="repeat">
+      <a:schemeClr val="accent1"/>
+    </dgm:fillClrLst>
+    <dgm:linClrLst meth="repeat">
+      <a:schemeClr val="lt1"/>
+    </dgm:linClrLst>
+    <dgm:effectClrLst/>
+    <dgm:txLinClrLst/>
+    <dgm:txFillClrLst/>
+    <dgm:txEffectClrLst/>
+  </dgm:styleLbl>
+  <dgm:styleLbl name="asst3">
+    <dgm:fillClrLst meth="repeat">
+      <a:schemeClr val="accent1"/>
+    </dgm:fillClrLst>
+    <dgm:linClrLst meth="repeat">
+      <a:schemeClr val="lt1"/>
+    </dgm:linClrLst>
+    <dgm:effectClrLst/>
+    <dgm:txLinClrLst/>
+    <dgm:txFillClrLst/>
+    <dgm:txEffectClrLst/>
+  </dgm:styleLbl>
+  <dgm:styleLbl name="asst4">
+    <dgm:fillClrLst meth="repeat">
+      <a:schemeClr val="accent1"/>
+    </dgm:fillClrLst>
+    <dgm:linClrLst meth="repeat">
+      <a:schemeClr val="lt1"/>
+    </dgm:linClrLst>
+    <dgm:effectClrLst/>
+    <dgm:txLinClrLst/>
+    <dgm:txFillClrLst/>
+    <dgm:txEffectClrLst/>
+  </dgm:styleLbl>
+  <dgm:styleLbl name="parChTrans2D1">
+    <dgm:fillClrLst meth="repeat">
+      <a:schemeClr val="accent1">
+        <a:tint val="60000"/>
+      </a:schemeClr>
+    </dgm:fillClrLst>
+    <dgm:linClrLst meth="repeat">
+      <a:schemeClr val="accent1">
+        <a:tint val="60000"/>
+      </a:schemeClr>
+    </dgm:linClrLst>
+    <dgm:effectClrLst/>
+    <dgm:txLinClrLst/>
+    <dgm:txFillClrLst meth="repeat">
+      <a:schemeClr val="lt1"/>
+    </dgm:txFillClrLst>
+    <dgm:txEffectClrLst/>
+  </dgm:styleLbl>
+  <dgm:styleLbl name="parChTrans2D2">
+    <dgm:fillClrLst meth="repeat">
+      <a:schemeClr val="accent1"/>
+    </dgm:fillClrLst>
+    <dgm:linClrLst meth="repeat">
+      <a:schemeClr val="accent1"/>
+    </dgm:linClrLst>
+    <dgm:effectClrLst/>
+    <dgm:txLinClrLst/>
+    <dgm:txFillClrLst meth="repeat">
+      <a:schemeClr val="lt1"/>
+    </dgm:txFillClrLst>
+    <dgm:txEffectClrLst/>
+  </dgm:styleLbl>
+  <dgm:styleLbl name="parChTrans2D3">
+    <dgm:fillClrLst meth="repeat">
+      <a:schemeClr val="accent1"/>
+    </dgm:fillClrLst>
+    <dgm:linClrLst meth="repeat">
+      <a:schemeClr val="accent1"/>
+    </dgm:linClrLst>
+    <dgm:effectClrLst/>
+    <dgm:txLinClrLst/>
+    <dgm:txFillClrLst meth="repeat">
+      <a:schemeClr val="lt1"/>
+    </dgm:txFillClrLst>
+    <dgm:txEffectClrLst/>
+  </dgm:styleLbl>
+  <dgm:styleLbl name="parChTrans2D4">
+    <dgm:fillClrLst meth="repeat">
+      <a:schemeClr val="accent1"/>
+    </dgm:fillClrLst>
+    <dgm:linClrLst meth="repeat">
+      <a:schemeClr val="accent1"/>
+    </dgm:linClrLst>
+    <dgm:effectClrLst/>
+    <dgm:txLinClrLst/>
+    <dgm:txFillClrLst meth="repeat">
+      <a:schemeClr val="lt1"/>
+    </dgm:txFillClrLst>
+    <dgm:txEffectClrLst/>
+  </dgm:styleLbl>
+  <dgm:styleLbl name="parChTrans1D1">
+    <dgm:fillClrLst meth="repeat">
+      <a:schemeClr val="accent1"/>
+    </dgm:fillClrLst>
+    <dgm:linClrLst meth="repeat">
+      <a:schemeClr val="accent1">
+        <a:shade val="60000"/>
+      </a:schemeClr>
+    </dgm:linClrLst>
+    <dgm:effectClrLst/>
+    <dgm:txLinClrLst/>
+    <dgm:txFillClrLst meth="repeat">
+      <a:schemeClr val="tx1"/>
+    </dgm:txFillClrLst>
+    <dgm:txEffectClrLst/>
+  </dgm:styleLbl>
+  <dgm:styleLbl name="parChTrans1D2">
+    <dgm:fillClrLst meth="repeat">
+      <a:schemeClr val="accent1"/>
+    </dgm:fillClrLst>
+    <dgm:linClrLst meth="repeat">
+      <a:schemeClr val="accent1">
+        <a:shade val="60000"/>
+      </a:schemeClr>
+    </dgm:linClrLst>
+    <dgm:effectClrLst/>
+    <dgm:txLinClrLst/>
+    <dgm:txFillClrLst meth="repeat">
+      <a:schemeClr val="tx1"/>
+    </dgm:txFillClrLst>
+    <dgm:txEffectClrLst/>
+  </dgm:styleLbl>
+  <dgm:styleLbl name="parChTrans1D3">
+    <dgm:fillClrLst meth="repeat">
+      <a:schemeClr val="accent1"/>
+    </dgm:fillClrLst>
+    <dgm:linClrLst meth="repeat">
+      <a:schemeClr val="accent1">
+        <a:shade val="80000"/>
+      </a:schemeClr>
+    </dgm:linClrLst>
+    <dgm:effectClrLst/>
+    <dgm:txLinClrLst/>
+    <dgm:txFillClrLst meth="repeat">
+      <a:schemeClr val="tx1"/>
+    </dgm:txFillClrLst>
+    <dgm:txEffectClrLst/>
+  </dgm:styleLbl>
+  <dgm:styleLbl name="parChTrans1D4">
+    <dgm:fillClrLst meth="repeat">
+      <a:schemeClr val="accent1"/>
+    </dgm:fillClrLst>
+    <dgm:linClrLst meth="repeat">
+      <a:schemeClr val="accent1">
+        <a:shade val="80000"/>
+      </a:schemeClr>
+    </dgm:linClrLst>
+    <dgm:effectClrLst/>
+    <dgm:txLinClrLst/>
+    <dgm:txFillClrLst meth="repeat">
+      <a:schemeClr val="tx1"/>
+    </dgm:txFillClrLst>
+    <dgm:txEffectClrLst/>
+  </dgm:styleLbl>
+  <dgm:styleLbl name="fgAcc1">
+    <dgm:fillClrLst meth="repeat">
+      <a:schemeClr val="lt1">
+        <a:alpha val="90000"/>
+      </a:schemeClr>
+    </dgm:fillClrLst>
+    <dgm:linClrLst meth="repeat">
+      <a:schemeClr val="accent1"/>
+    </dgm:linClrLst>
+    <dgm:effectClrLst/>
+    <dgm:txLinClrLst/>
+    <dgm:txFillClrLst meth="repeat">
+      <a:schemeClr val="dk1"/>
+    </dgm:txFillClrLst>
+    <dgm:txEffectClrLst/>
+  </dgm:styleLbl>
+  <dgm:styleLbl name="conFgAcc1">
+    <dgm:fillClrLst meth="repeat">
+      <a:schemeClr val="lt1">
+        <a:alpha val="90000"/>
+      </a:schemeClr>
+    </dgm:fillClrLst>
+    <dgm:linClrLst meth="repeat">
+      <a:schemeClr val="accent1"/>
+    </dgm:linClrLst>
+    <dgm:effectClrLst/>
+    <dgm:txLinClrLst/>
+    <dgm:txFillClrLst meth="repeat">
+      <a:schemeClr val="dk1"/>
+    </dgm:txFillClrLst>
+    <dgm:txEffectClrLst/>
+  </dgm:styleLbl>
+  <dgm:styleLbl name="alignAcc1">
+    <dgm:fillClrLst meth="repeat">
+      <a:schemeClr val="lt1">
+        <a:alpha val="90000"/>
+      </a:schemeClr>
+    </dgm:fillClrLst>
+    <dgm:linClrLst meth="repeat">
+      <a:schemeClr val="accent1"/>
+    </dgm:linClrLst>
+    <dgm:effectClrLst/>
+    <dgm:txLinClrLst/>
+    <dgm:txFillClrLst meth="repeat">
+      <a:schemeClr val="dk1"/>
+    </dgm:txFillClrLst>
+    <dgm:txEffectClrLst/>
+  </dgm:styleLbl>
+  <dgm:styleLbl name="trAlignAcc1">
+    <dgm:fillClrLst meth="repeat">
+      <a:schemeClr val="lt1">
+        <a:alpha val="40000"/>
+      </a:schemeClr>
+    </dgm:fillClrLst>
+    <dgm:linClrLst meth="repeat">
+      <a:schemeClr val="accent1"/>
+    </dgm:linClrLst>
+    <dgm:effectClrLst/>
+    <dgm:txLinClrLst/>
+    <dgm:txFillClrLst meth="repeat">
+      <a:schemeClr val="dk1"/>
+    </dgm:txFillClrLst>
+    <dgm:txEffectClrLst/>
+  </dgm:styleLbl>
+  <dgm:styleLbl name="bgAcc1">
+    <dgm:fillClrLst meth="repeat">
+      <a:schemeClr val="lt1">
+        <a:alpha val="90000"/>
+      </a:schemeClr>
+    </dgm:fillClrLst>
+    <dgm:linClrLst meth="repeat">
+      <a:schemeClr val="accent1"/>
+    </dgm:linClrLst>
+    <dgm:effectClrLst/>
+    <dgm:txLinClrLst/>
+    <dgm:txFillClrLst meth="repeat">
+      <a:schemeClr val="dk1"/>
+    </dgm:txFillClrLst>
+    <dgm:txEffectClrLst/>
+  </dgm:styleLbl>
+  <dgm:styleLbl name="solidFgAcc1">
+    <dgm:fillClrLst meth="repeat">
+      <a:schemeClr val="lt1"/>
+    </dgm:fillClrLst>
+    <dgm:linClrLst meth="repeat">
+      <a:schemeClr val="accent1"/>
+    </dgm:linClrLst>
+    <dgm:effectClrLst/>
+    <dgm:txLinClrLst/>
+    <dgm:txFillClrLst meth="repeat">
+      <a:schemeClr val="dk1"/>
+    </dgm:txFillClrLst>
+    <dgm:txEffectClrLst/>
+  </dgm:styleLbl>
+  <dgm:styleLbl name="solidAlignAcc1">
+    <dgm:fillClrLst meth="repeat">
+      <a:schemeClr val="lt1"/>
+    </dgm:fillClrLst>
+    <dgm:linClrLst meth="repeat">
+      <a:schemeClr val="accent1"/>
+    </dgm:linClrLst>
+    <dgm:effectClrLst/>
+    <dgm:txLinClrLst/>
+    <dgm:txFillClrLst meth="repeat">
+      <a:schemeClr val="dk1"/>
+    </dgm:txFillClrLst>
+    <dgm:txEffectClrLst/>
+  </dgm:styleLbl>
+  <dgm:styleLbl name="solidBgAcc1">
+    <dgm:fillClrLst meth="repeat">
+      <a:schemeClr val="lt1"/>
+    </dgm:fillClrLst>
+    <dgm:linClrLst meth="repeat">
+      <a:schemeClr val="accent1"/>
+    </dgm:linClrLst>
+    <dgm:effectClrLst/>
+    <dgm:txLinClrLst/>
+    <dgm:txFillClrLst meth="repeat">
+      <a:schemeClr val="dk1"/>
+    </dgm:txFillClrLst>
+    <dgm:txEffectClrLst/>
+  </dgm:styleLbl>
+  <dgm:styleLbl name="fgAccFollowNode1">
+    <dgm:fillClrLst meth="repeat">
+      <a:schemeClr val="accent1">
+        <a:alpha val="90000"/>
+        <a:tint val="40000"/>
+      </a:schemeClr>
+    </dgm:fillClrLst>
+    <dgm:linClrLst meth="repeat">
+      <a:schemeClr val="accent1">
+        <a:alpha val="90000"/>
+        <a:tint val="40000"/>
+      </a:schemeClr>
+    </dgm:linClrLst>
+    <dgm:effectClrLst/>
+    <dgm:txLinClrLst/>
+    <dgm:txFillClrLst meth="repeat">
+      <a:schemeClr val="dk1"/>
+    </dgm:txFillClrLst>
+    <dgm:txEffectClrLst/>
+  </dgm:styleLbl>
+  <dgm:styleLbl name="alignAccFollowNode1">
+    <dgm:fillClrLst meth="repeat">
+      <a:schemeClr val="accent1">
+        <a:alpha val="90000"/>
+        <a:tint val="40000"/>
+      </a:schemeClr>
+    </dgm:fillClrLst>
+    <dgm:linClrLst meth="repeat">
+      <a:schemeClr val="accent1">
+        <a:alpha val="90000"/>
+        <a:tint val="40000"/>
+      </a:schemeClr>
+    </dgm:linClrLst>
+    <dgm:effectClrLst/>
+    <dgm:txLinClrLst/>
+    <dgm:txFillClrLst meth="repeat">
+      <a:schemeClr val="dk1"/>
+    </dgm:txFillClrLst>
+    <dgm:txEffectClrLst/>
+  </dgm:styleLbl>
+  <dgm:styleLbl name="bgAccFollowNode1">
+    <dgm:fillClrLst meth="repeat">
+      <a:schemeClr val="accent1">
+        <a:alpha val="90000"/>
+        <a:tint val="40000"/>
+      </a:schemeClr>
+    </dgm:fillClrLst>
+    <dgm:linClrLst meth="repeat">
+      <a:schemeClr val="accent1">
+        <a:alpha val="90000"/>
+        <a:tint val="40000"/>
+      </a:schemeClr>
+    </dgm:linClrLst>
+    <dgm:effectClrLst/>
+    <dgm:txLinClrLst/>
+    <dgm:txFillClrLst meth="repeat">
+      <a:schemeClr val="dk1"/>
+    </dgm:txFillClrLst>
+    <dgm:txEffectClrLst/>
+  </dgm:styleLbl>
+  <dgm:styleLbl name="fgAcc0">
+    <dgm:fillClrLst meth="repeat">
+      <a:schemeClr val="lt1">
+        <a:alpha val="90000"/>
+      </a:schemeClr>
+    </dgm:fillClrLst>
+    <dgm:linClrLst meth="repeat">
+      <a:schemeClr val="accent1"/>
+    </dgm:linClrLst>
+    <dgm:effectClrLst/>
+    <dgm:txLinClrLst/>
+    <dgm:txFillClrLst meth="repeat">
+      <a:schemeClr val="dk1"/>
+    </dgm:txFillClrLst>
+    <dgm:txEffectClrLst/>
+  </dgm:styleLbl>
+  <dgm:styleLbl name="fgAcc2">
+    <dgm:fillClrLst meth="repeat">
+      <a:schemeClr val="lt1">
+        <a:alpha val="90000"/>
+      </a:schemeClr>
+    </dgm:fillClrLst>
+    <dgm:linClrLst meth="repeat">
+      <a:schemeClr val="accent1"/>
+    </dgm:linClrLst>
+    <dgm:effectClrLst/>
+    <dgm:txLinClrLst/>
+    <dgm:txFillClrLst meth="repeat">
+      <a:schemeClr val="dk1"/>
+    </dgm:txFillClrLst>
+    <dgm:txEffectClrLst/>
+  </dgm:styleLbl>
+  <dgm:styleLbl name="fgAcc3">
+    <dgm:fillClrLst meth="repeat">
+      <a:schemeClr val="lt1">
+        <a:alpha val="90000"/>
+      </a:schemeClr>
+    </dgm:fillClrLst>
+    <dgm:linClrLst meth="repeat">
+      <a:schemeClr val="accent1"/>
+    </dgm:linClrLst>
+    <dgm:effectClrLst/>
+    <dgm:txLinClrLst/>
+    <dgm:txFillClrLst meth="repeat">
+      <a:schemeClr val="dk1"/>
+    </dgm:txFillClrLst>
+    <dgm:txEffectClrLst/>
+  </dgm:styleLbl>
+  <dgm:styleLbl name="fgAcc4">
+    <dgm:fillClrLst meth="repeat">
+      <a:schemeClr val="lt1">
+        <a:alpha val="90000"/>
+      </a:schemeClr>
+    </dgm:fillClrLst>
+    <dgm:linClrLst meth="repeat">
+      <a:schemeClr val="accent1"/>
+    </dgm:linClrLst>
+    <dgm:effectClrLst/>
+    <dgm:txLinClrLst/>
+    <dgm:txFillClrLst meth="repeat">
+      <a:schemeClr val="dk1"/>
+    </dgm:txFillClrLst>
+    <dgm:txEffectClrLst/>
+  </dgm:styleLbl>
+  <dgm:styleLbl name="bgShp">
+    <dgm:fillClrLst meth="repeat">
+      <a:schemeClr val="accent1">
+        <a:tint val="40000"/>
+      </a:schemeClr>
+    </dgm:fillClrLst>
+    <dgm:linClrLst meth="repeat">
+      <a:schemeClr val="accent1"/>
+    </dgm:linClrLst>
+    <dgm:effectClrLst/>
+    <dgm:txLinClrLst/>
+    <dgm:txFillClrLst meth="repeat">
+      <a:schemeClr val="dk1"/>
+    </dgm:txFillClrLst>
+    <dgm:txEffectClrLst/>
+  </dgm:styleLbl>
+  <dgm:styleLbl name="dkBgShp">
+    <dgm:fillClrLst meth="repeat">
+      <a:schemeClr val="accent1">
+        <a:shade val="80000"/>
+      </a:schemeClr>
+    </dgm:fillClrLst>
+    <dgm:linClrLst meth="repeat">
+      <a:schemeClr val="accent1"/>
+    </dgm:linClrLst>
+    <dgm:effectClrLst/>
+    <dgm:txLinClrLst/>
+    <dgm:txFillClrLst meth="repeat">
+      <a:schemeClr val="lt1"/>
+    </dgm:txFillClrLst>
+    <dgm:txEffectClrLst/>
+  </dgm:styleLbl>
+  <dgm:styleLbl name="trBgShp">
+    <dgm:fillClrLst meth="repeat">
+      <a:schemeClr val="accent1">
+        <a:tint val="50000"/>
+        <a:alpha val="40000"/>
+      </a:schemeClr>
+    </dgm:fillClrLst>
+    <dgm:linClrLst meth="repeat">
+      <a:schemeClr val="accent1"/>
+    </dgm:linClrLst>
+    <dgm:effectClrLst/>
+    <dgm:txLinClrLst/>
+    <dgm:txFillClrLst meth="repeat">
+      <a:schemeClr val="lt1"/>
+    </dgm:txFillClrLst>
+    <dgm:txEffectClrLst/>
+  </dgm:styleLbl>
+  <dgm:styleLbl name="fgShp">
+    <dgm:fillClrLst meth="repeat">
+      <a:schemeClr val="accent1">
+        <a:tint val="60000"/>
+      </a:schemeClr>
+    </dgm:fillClrLst>
+    <dgm:linClrLst meth="repeat">
+      <a:schemeClr val="lt1"/>
+    </dgm:linClrLst>
+    <dgm:effectClrLst/>
+    <dgm:txLinClrLst/>
+    <dgm:txFillClrLst meth="repeat">
+      <a:schemeClr val="dk1"/>
+    </dgm:txFillClrLst>
+    <dgm:txEffectClrLst/>
+  </dgm:styleLbl>
+  <dgm:styleLbl name="revTx">
+    <dgm:fillClrLst meth="repeat">
+      <a:schemeClr val="lt1">
+        <a:alpha val="0"/>
+      </a:schemeClr>
+    </dgm:fillClrLst>
+    <dgm:linClrLst meth="repeat">
+      <a:schemeClr val="dk1">
+        <a:alpha val="0"/>
+      </a:schemeClr>
+    </dgm:linClrLst>
+    <dgm:effectClrLst/>
+    <dgm:txLinClrLst/>
+    <dgm:txFillClrLst meth="repeat">
+      <a:schemeClr val="tx1"/>
+    </dgm:txFillClrLst>
+    <dgm:txEffectClrLst/>
+  </dgm:styleLbl>
+</dgm:colorsDef>
+</file>
+
+<file path=ppt/diagrams/data1.xml><?xml version="1.0" encoding="utf-8"?>
+<dgm:dataModel xmlns:dgm="http://schemas.openxmlformats.org/drawingml/2006/diagram" xmlns:a="http://schemas.openxmlformats.org/drawingml/2006/main">
+  <dgm:ptLst>
+    <dgm:pt modelId="{176E231D-6520-4399-B4B2-C8DBD241B4C2}" type="doc">
+      <dgm:prSet loTypeId="urn:microsoft.com/office/officeart/2005/8/layout/hList1" loCatId="list" qsTypeId="urn:microsoft.com/office/officeart/2005/8/quickstyle/simple1" qsCatId="simple" csTypeId="urn:microsoft.com/office/officeart/2005/8/colors/accent1_2" csCatId="accent1" phldr="1"/>
+      <dgm:spPr/>
+      <dgm:t>
+        <a:bodyPr/>
+        <a:lstStyle/>
+        <a:p>
+          <a:endParaRPr lang="en-US"/>
+        </a:p>
+      </dgm:t>
+    </dgm:pt>
+    <dgm:pt modelId="{56513333-B2FD-47C8-B8CF-AE6708802572}">
+      <dgm:prSet phldrT="[Text]"/>
+      <dgm:spPr/>
+      <dgm:t>
+        <a:bodyPr/>
+        <a:lstStyle/>
+        <a:p>
+          <a:r>
+            <a:rPr lang="en-US"/>
+            <a:t>B2C</a:t>
+          </a:r>
+          <a:endParaRPr lang="en-US"/>
+        </a:p>
+      </dgm:t>
+    </dgm:pt>
+    <dgm:pt modelId="{D5454935-DE47-40BD-A6B4-8F4E79F6F7ED}" type="parTrans" cxnId="{64A407D9-270F-4C0F-A3C7-C965F661FCF2}">
+      <dgm:prSet/>
+      <dgm:spPr/>
+      <dgm:t>
+        <a:bodyPr/>
+        <a:lstStyle/>
+        <a:p>
+          <a:endParaRPr lang="en-US"/>
+        </a:p>
+      </dgm:t>
+    </dgm:pt>
+    <dgm:pt modelId="{E0792A5F-F551-4903-8D32-F2895583D11B}" type="sibTrans" cxnId="{64A407D9-270F-4C0F-A3C7-C965F661FCF2}">
+      <dgm:prSet/>
+      <dgm:spPr/>
+      <dgm:t>
+        <a:bodyPr/>
+        <a:lstStyle/>
+        <a:p>
+          <a:endParaRPr lang="en-US"/>
+        </a:p>
+      </dgm:t>
+    </dgm:pt>
+    <dgm:pt modelId="{B0EECE8C-9DEB-40F3-B368-80B0ABBBC50F}">
+      <dgm:prSet phldrT="[Text]"/>
+      <dgm:spPr/>
+      <dgm:t>
+        <a:bodyPr/>
+        <a:lstStyle/>
+        <a:p>
+          <a:r>
+            <a:rPr lang="en-US"/>
+            <a:t>Free for individual users</a:t>
+          </a:r>
+          <a:endParaRPr lang="en-US"/>
+        </a:p>
+      </dgm:t>
+    </dgm:pt>
+    <dgm:pt modelId="{D85D6BE7-6E57-4BE0-8D99-4DB305B3B1E2}" type="parTrans" cxnId="{7B1E4E5F-675B-4F76-A248-6EB5736AAA45}">
+      <dgm:prSet/>
+      <dgm:spPr/>
+      <dgm:t>
+        <a:bodyPr/>
+        <a:lstStyle/>
+        <a:p>
+          <a:endParaRPr lang="en-US"/>
+        </a:p>
+      </dgm:t>
+    </dgm:pt>
+    <dgm:pt modelId="{E353A748-2C4C-45A0-ABCB-C86D6EDB6781}" type="sibTrans" cxnId="{7B1E4E5F-675B-4F76-A248-6EB5736AAA45}">
+      <dgm:prSet/>
+      <dgm:spPr/>
+      <dgm:t>
+        <a:bodyPr/>
+        <a:lstStyle/>
+        <a:p>
+          <a:endParaRPr lang="en-US"/>
+        </a:p>
+      </dgm:t>
+    </dgm:pt>
+    <dgm:pt modelId="{FE829304-0A35-403C-982A-4E8339AE07E6}">
+      <dgm:prSet phldrT="[Text]"/>
+      <dgm:spPr/>
+      <dgm:t>
+        <a:bodyPr/>
+        <a:lstStyle/>
+        <a:p>
+          <a:r>
+            <a:rPr lang="en-US"/>
+            <a:t>B2B</a:t>
+          </a:r>
+          <a:endParaRPr lang="en-US"/>
+        </a:p>
+      </dgm:t>
+    </dgm:pt>
+    <dgm:pt modelId="{D1443742-06C4-4EAF-8FE2-B16F8F23F9EB}" type="parTrans" cxnId="{87B05B74-CFD9-49D9-BC03-767FE90D8D4A}">
+      <dgm:prSet/>
+      <dgm:spPr/>
+      <dgm:t>
+        <a:bodyPr/>
+        <a:lstStyle/>
+        <a:p>
+          <a:endParaRPr lang="en-US"/>
+        </a:p>
+      </dgm:t>
+    </dgm:pt>
+    <dgm:pt modelId="{DB7D4813-B3D4-449C-9521-428914CBD5F3}" type="sibTrans" cxnId="{87B05B74-CFD9-49D9-BC03-767FE90D8D4A}">
+      <dgm:prSet/>
+      <dgm:spPr/>
+      <dgm:t>
+        <a:bodyPr/>
+        <a:lstStyle/>
+        <a:p>
+          <a:endParaRPr lang="en-US"/>
+        </a:p>
+      </dgm:t>
+    </dgm:pt>
+    <dgm:pt modelId="{8F2786CE-7EFA-4BBE-B6F9-C86D9300D8CF}">
+      <dgm:prSet phldrT="[Text]"/>
+      <dgm:spPr/>
+      <dgm:t>
+        <a:bodyPr/>
+        <a:lstStyle/>
+        <a:p>
+          <a:r>
+            <a:rPr lang="en-US"/>
+            <a:t>Monetise the application by leasing online ads </a:t>
+          </a:r>
+          <a:endParaRPr lang="en-US"/>
+        </a:p>
+      </dgm:t>
+    </dgm:pt>
+    <dgm:pt modelId="{B52C1AE2-EE4E-4668-B5F8-0ED0D7F879A1}" type="parTrans" cxnId="{DF16D04E-CBC3-4C25-990E-FD6905AB114B}">
+      <dgm:prSet/>
+      <dgm:spPr/>
+      <dgm:t>
+        <a:bodyPr/>
+        <a:lstStyle/>
+        <a:p>
+          <a:endParaRPr lang="en-US"/>
+        </a:p>
+      </dgm:t>
+    </dgm:pt>
+    <dgm:pt modelId="{39FC8C3B-7C2A-41AE-8569-E4156EAFD93E}" type="sibTrans" cxnId="{DF16D04E-CBC3-4C25-990E-FD6905AB114B}">
+      <dgm:prSet/>
+      <dgm:spPr/>
+      <dgm:t>
+        <a:bodyPr/>
+        <a:lstStyle/>
+        <a:p>
+          <a:endParaRPr lang="en-US"/>
+        </a:p>
+      </dgm:t>
+    </dgm:pt>
+    <dgm:pt modelId="{76E05FA1-6396-4C48-B864-38E6D1D770B4}">
+      <dgm:prSet phldrT="[Text]"/>
+      <dgm:spPr/>
+      <dgm:t>
+        <a:bodyPr/>
+        <a:lstStyle/>
+        <a:p>
+          <a:r>
+            <a:rPr lang="en-US"/>
+            <a:t>B2B2C</a:t>
+          </a:r>
+          <a:endParaRPr lang="en-US"/>
+        </a:p>
+      </dgm:t>
+    </dgm:pt>
+    <dgm:pt modelId="{4F317571-1B56-4FDB-89DD-51D3A8A42639}" type="parTrans" cxnId="{03B5001C-59B7-4597-BC51-57B975CF5540}">
+      <dgm:prSet/>
+      <dgm:spPr/>
+      <dgm:t>
+        <a:bodyPr/>
+        <a:lstStyle/>
+        <a:p>
+          <a:endParaRPr lang="en-US"/>
+        </a:p>
+      </dgm:t>
+    </dgm:pt>
+    <dgm:pt modelId="{07C7654E-3762-4631-A7CE-D33F8DF8889C}" type="sibTrans" cxnId="{03B5001C-59B7-4597-BC51-57B975CF5540}">
+      <dgm:prSet/>
+      <dgm:spPr/>
+      <dgm:t>
+        <a:bodyPr/>
+        <a:lstStyle/>
+        <a:p>
+          <a:endParaRPr lang="en-US"/>
+        </a:p>
+      </dgm:t>
+    </dgm:pt>
+    <dgm:pt modelId="{8E408522-5AB4-4BBF-A3A2-142D500AD798}">
+      <dgm:prSet phldrT="[Text]"/>
+      <dgm:spPr/>
+      <dgm:t>
+        <a:bodyPr/>
+        <a:lstStyle/>
+        <a:p>
+          <a:r>
+            <a:rPr lang="en-US"/>
+            <a:t>Act as bridge between individual users and potential finance services - small fee would be applied</a:t>
+          </a:r>
+          <a:endParaRPr lang="en-US"/>
+        </a:p>
+      </dgm:t>
+    </dgm:pt>
+    <dgm:pt modelId="{A16CC997-5F45-4E36-8EBF-3F3EA1549639}" type="parTrans" cxnId="{9AD3F586-92C9-4931-87A7-EF909CEB3860}">
+      <dgm:prSet/>
+      <dgm:spPr/>
+      <dgm:t>
+        <a:bodyPr/>
+        <a:lstStyle/>
+        <a:p>
+          <a:endParaRPr lang="en-US"/>
+        </a:p>
+      </dgm:t>
+    </dgm:pt>
+    <dgm:pt modelId="{FB0A7D17-41B1-4903-955B-9B9962C38922}" type="sibTrans" cxnId="{9AD3F586-92C9-4931-87A7-EF909CEB3860}">
+      <dgm:prSet/>
+      <dgm:spPr/>
+      <dgm:t>
+        <a:bodyPr/>
+        <a:lstStyle/>
+        <a:p>
+          <a:endParaRPr lang="en-US"/>
+        </a:p>
+      </dgm:t>
+    </dgm:pt>
+    <dgm:pt modelId="{BEF525E6-8166-4F57-AF88-44DA04294CD5}">
+      <dgm:prSet phldrT="[Text]"/>
+      <dgm:spPr/>
+      <dgm:t>
+        <a:bodyPr/>
+        <a:lstStyle/>
+        <a:p>
+          <a:r>
+            <a:rPr lang="en-US"/>
+            <a:t>Small registration fee would be apply to unlock full function including finance planner etc. </a:t>
+          </a:r>
+          <a:endParaRPr lang="en-US"/>
+        </a:p>
+      </dgm:t>
+    </dgm:pt>
+    <dgm:pt modelId="{6206F262-9E39-4920-9767-FE8403D3B82D}" type="parTrans" cxnId="{2DC7DD92-002E-4B0E-8D79-2A5CDE5FEDF8}">
+      <dgm:prSet/>
+      <dgm:spPr/>
+    </dgm:pt>
+    <dgm:pt modelId="{23886C32-821E-4CA7-8C87-1CBDC60A6E21}" type="sibTrans" cxnId="{2DC7DD92-002E-4B0E-8D79-2A5CDE5FEDF8}">
+      <dgm:prSet/>
+      <dgm:spPr/>
+    </dgm:pt>
+    <dgm:pt modelId="{C9480B14-24D6-4890-B200-8FE7C0EA4858}" type="pres">
+      <dgm:prSet presAssocID="{176E231D-6520-4399-B4B2-C8DBD241B4C2}" presName="Name0" presStyleCnt="0">
+        <dgm:presLayoutVars>
+          <dgm:dir/>
+          <dgm:animLvl val="lvl"/>
+          <dgm:resizeHandles val="exact"/>
+        </dgm:presLayoutVars>
+      </dgm:prSet>
+      <dgm:spPr/>
+    </dgm:pt>
+    <dgm:pt modelId="{B6A33EA1-0481-4901-A985-4827BA704CDF}" type="pres">
+      <dgm:prSet presAssocID="{56513333-B2FD-47C8-B8CF-AE6708802572}" presName="composite" presStyleCnt="0"/>
+      <dgm:spPr/>
+    </dgm:pt>
+    <dgm:pt modelId="{4897542A-09F5-4D92-9FE8-7FBB5C455656}" type="pres">
+      <dgm:prSet presAssocID="{56513333-B2FD-47C8-B8CF-AE6708802572}" presName="parTx" presStyleLbl="alignNode1" presStyleIdx="0" presStyleCnt="3">
+        <dgm:presLayoutVars>
+          <dgm:chMax val="0"/>
+          <dgm:chPref val="0"/>
+          <dgm:bulletEnabled val="1"/>
+        </dgm:presLayoutVars>
+      </dgm:prSet>
+      <dgm:spPr/>
+    </dgm:pt>
+    <dgm:pt modelId="{18C64F83-08C7-4D0C-BB9A-6DABDD5D9756}" type="pres">
+      <dgm:prSet presAssocID="{56513333-B2FD-47C8-B8CF-AE6708802572}" presName="desTx" presStyleLbl="alignAccFollowNode1" presStyleIdx="0" presStyleCnt="3">
+        <dgm:presLayoutVars>
+          <dgm:bulletEnabled val="1"/>
+        </dgm:presLayoutVars>
+      </dgm:prSet>
+      <dgm:spPr/>
+    </dgm:pt>
+    <dgm:pt modelId="{676FCFF6-B5E1-4F88-80C9-EE793261EFA1}" type="pres">
+      <dgm:prSet presAssocID="{E0792A5F-F551-4903-8D32-F2895583D11B}" presName="space" presStyleCnt="0"/>
+      <dgm:spPr/>
+    </dgm:pt>
+    <dgm:pt modelId="{9CA135DD-A44C-4A50-A1DB-5CA29D0B8E83}" type="pres">
+      <dgm:prSet presAssocID="{FE829304-0A35-403C-982A-4E8339AE07E6}" presName="composite" presStyleCnt="0"/>
+      <dgm:spPr/>
+    </dgm:pt>
+    <dgm:pt modelId="{3C4EEECC-1B43-46C7-AA1B-7E69C24B0237}" type="pres">
+      <dgm:prSet presAssocID="{FE829304-0A35-403C-982A-4E8339AE07E6}" presName="parTx" presStyleLbl="alignNode1" presStyleIdx="1" presStyleCnt="3">
+        <dgm:presLayoutVars>
+          <dgm:chMax val="0"/>
+          <dgm:chPref val="0"/>
+          <dgm:bulletEnabled val="1"/>
+        </dgm:presLayoutVars>
+      </dgm:prSet>
+      <dgm:spPr/>
+    </dgm:pt>
+    <dgm:pt modelId="{A242F546-275C-48DA-98FC-5996A3939736}" type="pres">
+      <dgm:prSet presAssocID="{FE829304-0A35-403C-982A-4E8339AE07E6}" presName="desTx" presStyleLbl="alignAccFollowNode1" presStyleIdx="1" presStyleCnt="3">
+        <dgm:presLayoutVars>
+          <dgm:bulletEnabled val="1"/>
+        </dgm:presLayoutVars>
+      </dgm:prSet>
+      <dgm:spPr/>
+    </dgm:pt>
+    <dgm:pt modelId="{FC28CC95-9BD1-4A01-AD94-D2ECA6F04A22}" type="pres">
+      <dgm:prSet presAssocID="{DB7D4813-B3D4-449C-9521-428914CBD5F3}" presName="space" presStyleCnt="0"/>
+      <dgm:spPr/>
+    </dgm:pt>
+    <dgm:pt modelId="{B672C9CE-4AF9-4F3A-A496-6A0210BB6139}" type="pres">
+      <dgm:prSet presAssocID="{76E05FA1-6396-4C48-B864-38E6D1D770B4}" presName="composite" presStyleCnt="0"/>
+      <dgm:spPr/>
+    </dgm:pt>
+    <dgm:pt modelId="{84C8DAA7-F765-43E3-B1F4-DB7A2D2378CC}" type="pres">
+      <dgm:prSet presAssocID="{76E05FA1-6396-4C48-B864-38E6D1D770B4}" presName="parTx" presStyleLbl="alignNode1" presStyleIdx="2" presStyleCnt="3">
+        <dgm:presLayoutVars>
+          <dgm:chMax val="0"/>
+          <dgm:chPref val="0"/>
+          <dgm:bulletEnabled val="1"/>
+        </dgm:presLayoutVars>
+      </dgm:prSet>
+      <dgm:spPr/>
+    </dgm:pt>
+    <dgm:pt modelId="{87AF9ED1-3C5F-497F-AC5A-A015C738B01F}" type="pres">
+      <dgm:prSet presAssocID="{76E05FA1-6396-4C48-B864-38E6D1D770B4}" presName="desTx" presStyleLbl="alignAccFollowNode1" presStyleIdx="2" presStyleCnt="3">
+        <dgm:presLayoutVars>
+          <dgm:bulletEnabled val="1"/>
+        </dgm:presLayoutVars>
+      </dgm:prSet>
+      <dgm:spPr/>
+    </dgm:pt>
+  </dgm:ptLst>
+  <dgm:cxnLst>
+    <dgm:cxn modelId="{D56F902D-15A3-4615-8895-C04FEB4775A4}" type="presOf" srcId="{8E408522-5AB4-4BBF-A3A2-142D500AD798}" destId="{87AF9ED1-3C5F-497F-AC5A-A015C738B01F}" srcOrd="0" destOrd="0" presId="urn:microsoft.com/office/officeart/2005/8/layout/hList1"/>
+    <dgm:cxn modelId="{52F8BE05-BA17-4D8F-8DF5-2E6259BB9FEB}" type="presOf" srcId="{76E05FA1-6396-4C48-B864-38E6D1D770B4}" destId="{84C8DAA7-F765-43E3-B1F4-DB7A2D2378CC}" srcOrd="0" destOrd="0" presId="urn:microsoft.com/office/officeart/2005/8/layout/hList1"/>
+    <dgm:cxn modelId="{81577E27-BCD1-456B-B0E5-8E5BC7C29B7B}" type="presOf" srcId="{B0EECE8C-9DEB-40F3-B368-80B0ABBBC50F}" destId="{18C64F83-08C7-4D0C-BB9A-6DABDD5D9756}" srcOrd="0" destOrd="0" presId="urn:microsoft.com/office/officeart/2005/8/layout/hList1"/>
+    <dgm:cxn modelId="{BE646F3E-2F9C-4F40-AE2D-5DFDB0C21CE9}" type="presOf" srcId="{56513333-B2FD-47C8-B8CF-AE6708802572}" destId="{4897542A-09F5-4D92-9FE8-7FBB5C455656}" srcOrd="0" destOrd="0" presId="urn:microsoft.com/office/officeart/2005/8/layout/hList1"/>
+    <dgm:cxn modelId="{47E44365-EF00-4246-8C66-4C534D0E8B34}" type="presOf" srcId="{176E231D-6520-4399-B4B2-C8DBD241B4C2}" destId="{C9480B14-24D6-4890-B200-8FE7C0EA4858}" srcOrd="0" destOrd="0" presId="urn:microsoft.com/office/officeart/2005/8/layout/hList1"/>
+    <dgm:cxn modelId="{2DC7DD92-002E-4B0E-8D79-2A5CDE5FEDF8}" srcId="{56513333-B2FD-47C8-B8CF-AE6708802572}" destId="{BEF525E6-8166-4F57-AF88-44DA04294CD5}" srcOrd="1" destOrd="0" parTransId="{6206F262-9E39-4920-9767-FE8403D3B82D}" sibTransId="{23886C32-821E-4CA7-8C87-1CBDC60A6E21}"/>
+    <dgm:cxn modelId="{64A407D9-270F-4C0F-A3C7-C965F661FCF2}" srcId="{176E231D-6520-4399-B4B2-C8DBD241B4C2}" destId="{56513333-B2FD-47C8-B8CF-AE6708802572}" srcOrd="0" destOrd="0" parTransId="{D5454935-DE47-40BD-A6B4-8F4E79F6F7ED}" sibTransId="{E0792A5F-F551-4903-8D32-F2895583D11B}"/>
+    <dgm:cxn modelId="{7B1E4E5F-675B-4F76-A248-6EB5736AAA45}" srcId="{56513333-B2FD-47C8-B8CF-AE6708802572}" destId="{B0EECE8C-9DEB-40F3-B368-80B0ABBBC50F}" srcOrd="0" destOrd="0" parTransId="{D85D6BE7-6E57-4BE0-8D99-4DB305B3B1E2}" sibTransId="{E353A748-2C4C-45A0-ABCB-C86D6EDB6781}"/>
+    <dgm:cxn modelId="{01E8E2F5-7B97-43FE-B40B-18DD80F9373B}" type="presOf" srcId="{8F2786CE-7EFA-4BBE-B6F9-C86D9300D8CF}" destId="{A242F546-275C-48DA-98FC-5996A3939736}" srcOrd="0" destOrd="0" presId="urn:microsoft.com/office/officeart/2005/8/layout/hList1"/>
+    <dgm:cxn modelId="{AF038B68-6B01-4925-8A5D-C02D84E2E0A2}" type="presOf" srcId="{BEF525E6-8166-4F57-AF88-44DA04294CD5}" destId="{18C64F83-08C7-4D0C-BB9A-6DABDD5D9756}" srcOrd="0" destOrd="1" presId="urn:microsoft.com/office/officeart/2005/8/layout/hList1"/>
+    <dgm:cxn modelId="{9AD3F586-92C9-4931-87A7-EF909CEB3860}" srcId="{76E05FA1-6396-4C48-B864-38E6D1D770B4}" destId="{8E408522-5AB4-4BBF-A3A2-142D500AD798}" srcOrd="0" destOrd="0" parTransId="{A16CC997-5F45-4E36-8EBF-3F3EA1549639}" sibTransId="{FB0A7D17-41B1-4903-955B-9B9962C38922}"/>
+    <dgm:cxn modelId="{DF16D04E-CBC3-4C25-990E-FD6905AB114B}" srcId="{FE829304-0A35-403C-982A-4E8339AE07E6}" destId="{8F2786CE-7EFA-4BBE-B6F9-C86D9300D8CF}" srcOrd="0" destOrd="0" parTransId="{B52C1AE2-EE4E-4668-B5F8-0ED0D7F879A1}" sibTransId="{39FC8C3B-7C2A-41AE-8569-E4156EAFD93E}"/>
+    <dgm:cxn modelId="{87B05B74-CFD9-49D9-BC03-767FE90D8D4A}" srcId="{176E231D-6520-4399-B4B2-C8DBD241B4C2}" destId="{FE829304-0A35-403C-982A-4E8339AE07E6}" srcOrd="1" destOrd="0" parTransId="{D1443742-06C4-4EAF-8FE2-B16F8F23F9EB}" sibTransId="{DB7D4813-B3D4-449C-9521-428914CBD5F3}"/>
+    <dgm:cxn modelId="{C6640038-F730-4128-A762-6FF984D5DC03}" type="presOf" srcId="{FE829304-0A35-403C-982A-4E8339AE07E6}" destId="{3C4EEECC-1B43-46C7-AA1B-7E69C24B0237}" srcOrd="0" destOrd="0" presId="urn:microsoft.com/office/officeart/2005/8/layout/hList1"/>
+    <dgm:cxn modelId="{03B5001C-59B7-4597-BC51-57B975CF5540}" srcId="{176E231D-6520-4399-B4B2-C8DBD241B4C2}" destId="{76E05FA1-6396-4C48-B864-38E6D1D770B4}" srcOrd="2" destOrd="0" parTransId="{4F317571-1B56-4FDB-89DD-51D3A8A42639}" sibTransId="{07C7654E-3762-4631-A7CE-D33F8DF8889C}"/>
+    <dgm:cxn modelId="{A1099D4D-DCA8-4AA5-8752-BA9E7294D6BE}" type="presParOf" srcId="{C9480B14-24D6-4890-B200-8FE7C0EA4858}" destId="{B6A33EA1-0481-4901-A985-4827BA704CDF}" srcOrd="0" destOrd="0" presId="urn:microsoft.com/office/officeart/2005/8/layout/hList1"/>
+    <dgm:cxn modelId="{4FFD9971-CAC4-405F-97C5-A9C30C5C3073}" type="presParOf" srcId="{B6A33EA1-0481-4901-A985-4827BA704CDF}" destId="{4897542A-09F5-4D92-9FE8-7FBB5C455656}" srcOrd="0" destOrd="0" presId="urn:microsoft.com/office/officeart/2005/8/layout/hList1"/>
+    <dgm:cxn modelId="{E3BB8DE2-6BA8-4C6E-AFFE-FD1AE2DEC88B}" type="presParOf" srcId="{B6A33EA1-0481-4901-A985-4827BA704CDF}" destId="{18C64F83-08C7-4D0C-BB9A-6DABDD5D9756}" srcOrd="1" destOrd="0" presId="urn:microsoft.com/office/officeart/2005/8/layout/hList1"/>
+    <dgm:cxn modelId="{820C7745-8C51-45A4-9F21-5173CADA45B3}" type="presParOf" srcId="{C9480B14-24D6-4890-B200-8FE7C0EA4858}" destId="{676FCFF6-B5E1-4F88-80C9-EE793261EFA1}" srcOrd="1" destOrd="0" presId="urn:microsoft.com/office/officeart/2005/8/layout/hList1"/>
+    <dgm:cxn modelId="{F6D07E98-843C-42F2-9D10-7865D9F181C2}" type="presParOf" srcId="{C9480B14-24D6-4890-B200-8FE7C0EA4858}" destId="{9CA135DD-A44C-4A50-A1DB-5CA29D0B8E83}" srcOrd="2" destOrd="0" presId="urn:microsoft.com/office/officeart/2005/8/layout/hList1"/>
+    <dgm:cxn modelId="{3479CB60-AE49-489C-B3A3-139F3CCC2E64}" type="presParOf" srcId="{9CA135DD-A44C-4A50-A1DB-5CA29D0B8E83}" destId="{3C4EEECC-1B43-46C7-AA1B-7E69C24B0237}" srcOrd="0" destOrd="0" presId="urn:microsoft.com/office/officeart/2005/8/layout/hList1"/>
+    <dgm:cxn modelId="{D6D86CE4-11AE-461B-8EE5-461268FD3860}" type="presParOf" srcId="{9CA135DD-A44C-4A50-A1DB-5CA29D0B8E83}" destId="{A242F546-275C-48DA-98FC-5996A3939736}" srcOrd="1" destOrd="0" presId="urn:microsoft.com/office/officeart/2005/8/layout/hList1"/>
+    <dgm:cxn modelId="{2619588B-CCAD-4480-9C1D-BA15D5CF2BB9}" type="presParOf" srcId="{C9480B14-24D6-4890-B200-8FE7C0EA4858}" destId="{FC28CC95-9BD1-4A01-AD94-D2ECA6F04A22}" srcOrd="3" destOrd="0" presId="urn:microsoft.com/office/officeart/2005/8/layout/hList1"/>
+    <dgm:cxn modelId="{3B220BB9-BA72-41A8-9C71-50D25F6AEFA6}" type="presParOf" srcId="{C9480B14-24D6-4890-B200-8FE7C0EA4858}" destId="{B672C9CE-4AF9-4F3A-A496-6A0210BB6139}" srcOrd="4" destOrd="0" presId="urn:microsoft.com/office/officeart/2005/8/layout/hList1"/>
+    <dgm:cxn modelId="{F6228DF9-5AEF-47E3-AC3A-9B44C0DAB186}" type="presParOf" srcId="{B672C9CE-4AF9-4F3A-A496-6A0210BB6139}" destId="{84C8DAA7-F765-43E3-B1F4-DB7A2D2378CC}" srcOrd="0" destOrd="0" presId="urn:microsoft.com/office/officeart/2005/8/layout/hList1"/>
+    <dgm:cxn modelId="{B020E516-ED5B-4278-9771-0295B15EEF36}" type="presParOf" srcId="{B672C9CE-4AF9-4F3A-A496-6A0210BB6139}" destId="{87AF9ED1-3C5F-497F-AC5A-A015C738B01F}" srcOrd="1" destOrd="0" presId="urn:microsoft.com/office/officeart/2005/8/layout/hList1"/>
+  </dgm:cxnLst>
+  <dgm:bg/>
+  <dgm:whole/>
+  <dgm:extLst>
+    <a:ext uri="http://schemas.microsoft.com/office/drawing/2008/diagram">
+      <dsp:dataModelExt xmlns:dsp="http://schemas.microsoft.com/office/drawing/2008/diagram" relId="rId6" minVer="http://schemas.openxmlformats.org/drawingml/2006/diagram"/>
+    </a:ext>
+  </dgm:extLst>
+</dgm:dataModel>
+</file>
+
+<file path=ppt/diagrams/drawing1.xml><?xml version="1.0" encoding="utf-8"?>
+<dsp:drawing xmlns:dgm="http://schemas.openxmlformats.org/drawingml/2006/diagram" xmlns:dsp="http://schemas.microsoft.com/office/drawing/2008/diagram" xmlns:a="http://schemas.openxmlformats.org/drawingml/2006/main">
+  <dsp:spTree>
+    <dsp:nvGrpSpPr>
+      <dsp:cNvPr id="0" name=""/>
+      <dsp:cNvGrpSpPr/>
+    </dsp:nvGrpSpPr>
+    <dsp:grpSpPr/>
+    <dsp:sp modelId="{4897542A-09F5-4D92-9FE8-7FBB5C455656}">
+      <dsp:nvSpPr>
+        <dsp:cNvPr id="0" name=""/>
+        <dsp:cNvSpPr/>
+      </dsp:nvSpPr>
+      <dsp:spPr>
+        <a:xfrm>
+          <a:off x="3518" y="81339"/>
+          <a:ext cx="3430053" cy="864000"/>
+        </a:xfrm>
+        <a:prstGeom prst="rect">
+          <a:avLst/>
+        </a:prstGeom>
+        <a:solidFill>
+          <a:schemeClr val="accent1">
+            <a:hueOff val="0"/>
+            <a:satOff val="0"/>
+            <a:lumOff val="0"/>
+            <a:alphaOff val="0"/>
+          </a:schemeClr>
+        </a:solidFill>
+        <a:ln w="12700" cap="flat" cmpd="sng" algn="ctr">
+          <a:solidFill>
+            <a:schemeClr val="accent1">
+              <a:hueOff val="0"/>
+              <a:satOff val="0"/>
+              <a:lumOff val="0"/>
+              <a:alphaOff val="0"/>
+            </a:schemeClr>
+          </a:solidFill>
+          <a:prstDash val="solid"/>
+          <a:miter lim="800000"/>
+        </a:ln>
+        <a:effectLst/>
+      </dsp:spPr>
+      <dsp:style>
+        <a:lnRef idx="2">
+          <a:scrgbClr r="0" g="0" b="0"/>
+        </a:lnRef>
+        <a:fillRef idx="1">
+          <a:scrgbClr r="0" g="0" b="0"/>
+        </a:fillRef>
+        <a:effectRef idx="0">
+          <a:scrgbClr r="0" g="0" b="0"/>
+        </a:effectRef>
+        <a:fontRef idx="minor">
+          <a:schemeClr val="lt1"/>
+        </a:fontRef>
+      </dsp:style>
+      <dsp:txBody>
+        <a:bodyPr spcFirstLastPara="0" vert="horz" wrap="square" lIns="213360" tIns="121920" rIns="213360" bIns="121920" numCol="1" spcCol="1270" anchor="ctr" anchorCtr="0">
+          <a:noAutofit/>
+        </a:bodyPr>
+        <a:lstStyle/>
+        <a:p>
+          <a:pPr lvl="0" algn="ctr" defTabSz="1333500">
+            <a:lnSpc>
+              <a:spcPct val="90000"/>
+            </a:lnSpc>
+            <a:spcBef>
+              <a:spcPct val="0"/>
+            </a:spcBef>
+            <a:spcAft>
+              <a:spcPct val="35000"/>
+            </a:spcAft>
+          </a:pPr>
+          <a:r>
+            <a:rPr lang="en-US" sz="3000" kern="1200"/>
+            <a:t>B2C</a:t>
+          </a:r>
+          <a:endParaRPr lang="en-US" sz="3000" kern="1200"/>
+        </a:p>
+      </dsp:txBody>
+      <dsp:txXfrm>
+        <a:off x="3518" y="81339"/>
+        <a:ext cx="3430053" cy="864000"/>
+      </dsp:txXfrm>
+    </dsp:sp>
+    <dsp:sp modelId="{18C64F83-08C7-4D0C-BB9A-6DABDD5D9756}">
+      <dsp:nvSpPr>
+        <dsp:cNvPr id="0" name=""/>
+        <dsp:cNvSpPr/>
+      </dsp:nvSpPr>
+      <dsp:spPr>
+        <a:xfrm>
+          <a:off x="3518" y="945339"/>
+          <a:ext cx="3430053" cy="3870450"/>
+        </a:xfrm>
+        <a:prstGeom prst="rect">
+          <a:avLst/>
+        </a:prstGeom>
+        <a:solidFill>
+          <a:schemeClr val="accent1">
+            <a:alpha val="90000"/>
+            <a:tint val="40000"/>
+            <a:hueOff val="0"/>
+            <a:satOff val="0"/>
+            <a:lumOff val="0"/>
+            <a:alphaOff val="0"/>
+          </a:schemeClr>
+        </a:solidFill>
+        <a:ln w="12700" cap="flat" cmpd="sng" algn="ctr">
+          <a:solidFill>
+            <a:schemeClr val="accent1">
+              <a:alpha val="90000"/>
+              <a:tint val="40000"/>
+              <a:hueOff val="0"/>
+              <a:satOff val="0"/>
+              <a:lumOff val="0"/>
+              <a:alphaOff val="0"/>
+            </a:schemeClr>
+          </a:solidFill>
+          <a:prstDash val="solid"/>
+          <a:miter lim="800000"/>
+        </a:ln>
+        <a:effectLst/>
+      </dsp:spPr>
+      <dsp:style>
+        <a:lnRef idx="2">
+          <a:scrgbClr r="0" g="0" b="0"/>
+        </a:lnRef>
+        <a:fillRef idx="1">
+          <a:scrgbClr r="0" g="0" b="0"/>
+        </a:fillRef>
+        <a:effectRef idx="0">
+          <a:scrgbClr r="0" g="0" b="0"/>
+        </a:effectRef>
+        <a:fontRef idx="minor"/>
+      </dsp:style>
+      <dsp:txBody>
+        <a:bodyPr spcFirstLastPara="0" vert="horz" wrap="square" lIns="160020" tIns="160020" rIns="213360" bIns="240030" numCol="1" spcCol="1270" anchor="t" anchorCtr="0">
+          <a:noAutofit/>
+        </a:bodyPr>
+        <a:lstStyle/>
+        <a:p>
+          <a:pPr marL="285750" lvl="1" indent="-285750" algn="l" defTabSz="1333500">
+            <a:lnSpc>
+              <a:spcPct val="90000"/>
+            </a:lnSpc>
+            <a:spcBef>
+              <a:spcPct val="0"/>
+            </a:spcBef>
+            <a:spcAft>
+              <a:spcPct val="15000"/>
+            </a:spcAft>
+            <a:buChar char="••"/>
+          </a:pPr>
+          <a:r>
+            <a:rPr lang="en-US" sz="3000" kern="1200"/>
+            <a:t>Free for individual users</a:t>
+          </a:r>
+          <a:endParaRPr lang="en-US" sz="3000" kern="1200"/>
+        </a:p>
+        <a:p>
+          <a:pPr marL="285750" lvl="1" indent="-285750" algn="l" defTabSz="1333500">
+            <a:lnSpc>
+              <a:spcPct val="90000"/>
+            </a:lnSpc>
+            <a:spcBef>
+              <a:spcPct val="0"/>
+            </a:spcBef>
+            <a:spcAft>
+              <a:spcPct val="15000"/>
+            </a:spcAft>
+            <a:buChar char="••"/>
+          </a:pPr>
+          <a:r>
+            <a:rPr lang="en-US" sz="3000" kern="1200"/>
+            <a:t>Small registration fee would be apply to unlock full function including finance planner etc. </a:t>
+          </a:r>
+          <a:endParaRPr lang="en-US" sz="3000" kern="1200"/>
+        </a:p>
+      </dsp:txBody>
+      <dsp:txXfrm>
+        <a:off x="3518" y="945339"/>
+        <a:ext cx="3430053" cy="3870450"/>
+      </dsp:txXfrm>
+    </dsp:sp>
+    <dsp:sp modelId="{3C4EEECC-1B43-46C7-AA1B-7E69C24B0237}">
+      <dsp:nvSpPr>
+        <dsp:cNvPr id="0" name=""/>
+        <dsp:cNvSpPr/>
+      </dsp:nvSpPr>
+      <dsp:spPr>
+        <a:xfrm>
+          <a:off x="3913779" y="81339"/>
+          <a:ext cx="3430053" cy="864000"/>
+        </a:xfrm>
+        <a:prstGeom prst="rect">
+          <a:avLst/>
+        </a:prstGeom>
+        <a:solidFill>
+          <a:schemeClr val="accent1">
+            <a:hueOff val="0"/>
+            <a:satOff val="0"/>
+            <a:lumOff val="0"/>
+            <a:alphaOff val="0"/>
+          </a:schemeClr>
+        </a:solidFill>
+        <a:ln w="12700" cap="flat" cmpd="sng" algn="ctr">
+          <a:solidFill>
+            <a:schemeClr val="accent1">
+              <a:hueOff val="0"/>
+              <a:satOff val="0"/>
+              <a:lumOff val="0"/>
+              <a:alphaOff val="0"/>
+            </a:schemeClr>
+          </a:solidFill>
+          <a:prstDash val="solid"/>
+          <a:miter lim="800000"/>
+        </a:ln>
+        <a:effectLst/>
+      </dsp:spPr>
+      <dsp:style>
+        <a:lnRef idx="2">
+          <a:scrgbClr r="0" g="0" b="0"/>
+        </a:lnRef>
+        <a:fillRef idx="1">
+          <a:scrgbClr r="0" g="0" b="0"/>
+        </a:fillRef>
+        <a:effectRef idx="0">
+          <a:scrgbClr r="0" g="0" b="0"/>
+        </a:effectRef>
+        <a:fontRef idx="minor">
+          <a:schemeClr val="lt1"/>
+        </a:fontRef>
+      </dsp:style>
+      <dsp:txBody>
+        <a:bodyPr spcFirstLastPara="0" vert="horz" wrap="square" lIns="213360" tIns="121920" rIns="213360" bIns="121920" numCol="1" spcCol="1270" anchor="ctr" anchorCtr="0">
+          <a:noAutofit/>
+        </a:bodyPr>
+        <a:lstStyle/>
+        <a:p>
+          <a:pPr lvl="0" algn="ctr" defTabSz="1333500">
+            <a:lnSpc>
+              <a:spcPct val="90000"/>
+            </a:lnSpc>
+            <a:spcBef>
+              <a:spcPct val="0"/>
+            </a:spcBef>
+            <a:spcAft>
+              <a:spcPct val="35000"/>
+            </a:spcAft>
+          </a:pPr>
+          <a:r>
+            <a:rPr lang="en-US" sz="3000" kern="1200"/>
+            <a:t>B2B</a:t>
+          </a:r>
+          <a:endParaRPr lang="en-US" sz="3000" kern="1200"/>
+        </a:p>
+      </dsp:txBody>
+      <dsp:txXfrm>
+        <a:off x="3913779" y="81339"/>
+        <a:ext cx="3430053" cy="864000"/>
+      </dsp:txXfrm>
+    </dsp:sp>
+    <dsp:sp modelId="{A242F546-275C-48DA-98FC-5996A3939736}">
+      <dsp:nvSpPr>
+        <dsp:cNvPr id="0" name=""/>
+        <dsp:cNvSpPr/>
+      </dsp:nvSpPr>
+      <dsp:spPr>
+        <a:xfrm>
+          <a:off x="3913779" y="945339"/>
+          <a:ext cx="3430053" cy="3870450"/>
+        </a:xfrm>
+        <a:prstGeom prst="rect">
+          <a:avLst/>
+        </a:prstGeom>
+        <a:solidFill>
+          <a:schemeClr val="accent1">
+            <a:alpha val="90000"/>
+            <a:tint val="40000"/>
+            <a:hueOff val="0"/>
+            <a:satOff val="0"/>
+            <a:lumOff val="0"/>
+            <a:alphaOff val="0"/>
+          </a:schemeClr>
+        </a:solidFill>
+        <a:ln w="12700" cap="flat" cmpd="sng" algn="ctr">
+          <a:solidFill>
+            <a:schemeClr val="accent1">
+              <a:alpha val="90000"/>
+              <a:tint val="40000"/>
+              <a:hueOff val="0"/>
+              <a:satOff val="0"/>
+              <a:lumOff val="0"/>
+              <a:alphaOff val="0"/>
+            </a:schemeClr>
+          </a:solidFill>
+          <a:prstDash val="solid"/>
+          <a:miter lim="800000"/>
+        </a:ln>
+        <a:effectLst/>
+      </dsp:spPr>
+      <dsp:style>
+        <a:lnRef idx="2">
+          <a:scrgbClr r="0" g="0" b="0"/>
+        </a:lnRef>
+        <a:fillRef idx="1">
+          <a:scrgbClr r="0" g="0" b="0"/>
+        </a:fillRef>
+        <a:effectRef idx="0">
+          <a:scrgbClr r="0" g="0" b="0"/>
+        </a:effectRef>
+        <a:fontRef idx="minor"/>
+      </dsp:style>
+      <dsp:txBody>
+        <a:bodyPr spcFirstLastPara="0" vert="horz" wrap="square" lIns="160020" tIns="160020" rIns="213360" bIns="240030" numCol="1" spcCol="1270" anchor="t" anchorCtr="0">
+          <a:noAutofit/>
+        </a:bodyPr>
+        <a:lstStyle/>
+        <a:p>
+          <a:pPr marL="285750" lvl="1" indent="-285750" algn="l" defTabSz="1333500">
+            <a:lnSpc>
+              <a:spcPct val="90000"/>
+            </a:lnSpc>
+            <a:spcBef>
+              <a:spcPct val="0"/>
+            </a:spcBef>
+            <a:spcAft>
+              <a:spcPct val="15000"/>
+            </a:spcAft>
+            <a:buChar char="••"/>
+          </a:pPr>
+          <a:r>
+            <a:rPr lang="en-US" sz="3000" kern="1200"/>
+            <a:t>Monetise the application by leasing online ads </a:t>
+          </a:r>
+          <a:endParaRPr lang="en-US" sz="3000" kern="1200"/>
+        </a:p>
+      </dsp:txBody>
+      <dsp:txXfrm>
+        <a:off x="3913779" y="945339"/>
+        <a:ext cx="3430053" cy="3870450"/>
+      </dsp:txXfrm>
+    </dsp:sp>
+    <dsp:sp modelId="{84C8DAA7-F765-43E3-B1F4-DB7A2D2378CC}">
+      <dsp:nvSpPr>
+        <dsp:cNvPr id="0" name=""/>
+        <dsp:cNvSpPr/>
+      </dsp:nvSpPr>
+      <dsp:spPr>
+        <a:xfrm>
+          <a:off x="7824041" y="81339"/>
+          <a:ext cx="3430053" cy="864000"/>
+        </a:xfrm>
+        <a:prstGeom prst="rect">
+          <a:avLst/>
+        </a:prstGeom>
+        <a:solidFill>
+          <a:schemeClr val="accent1">
+            <a:hueOff val="0"/>
+            <a:satOff val="0"/>
+            <a:lumOff val="0"/>
+            <a:alphaOff val="0"/>
+          </a:schemeClr>
+        </a:solidFill>
+        <a:ln w="12700" cap="flat" cmpd="sng" algn="ctr">
+          <a:solidFill>
+            <a:schemeClr val="accent1">
+              <a:hueOff val="0"/>
+              <a:satOff val="0"/>
+              <a:lumOff val="0"/>
+              <a:alphaOff val="0"/>
+            </a:schemeClr>
+          </a:solidFill>
+          <a:prstDash val="solid"/>
+          <a:miter lim="800000"/>
+        </a:ln>
+        <a:effectLst/>
+      </dsp:spPr>
+      <dsp:style>
+        <a:lnRef idx="2">
+          <a:scrgbClr r="0" g="0" b="0"/>
+        </a:lnRef>
+        <a:fillRef idx="1">
+          <a:scrgbClr r="0" g="0" b="0"/>
+        </a:fillRef>
+        <a:effectRef idx="0">
+          <a:scrgbClr r="0" g="0" b="0"/>
+        </a:effectRef>
+        <a:fontRef idx="minor">
+          <a:schemeClr val="lt1"/>
+        </a:fontRef>
+      </dsp:style>
+      <dsp:txBody>
+        <a:bodyPr spcFirstLastPara="0" vert="horz" wrap="square" lIns="213360" tIns="121920" rIns="213360" bIns="121920" numCol="1" spcCol="1270" anchor="ctr" anchorCtr="0">
+          <a:noAutofit/>
+        </a:bodyPr>
+        <a:lstStyle/>
+        <a:p>
+          <a:pPr lvl="0" algn="ctr" defTabSz="1333500">
+            <a:lnSpc>
+              <a:spcPct val="90000"/>
+            </a:lnSpc>
+            <a:spcBef>
+              <a:spcPct val="0"/>
+            </a:spcBef>
+            <a:spcAft>
+              <a:spcPct val="35000"/>
+            </a:spcAft>
+          </a:pPr>
+          <a:r>
+            <a:rPr lang="en-US" sz="3000" kern="1200"/>
+            <a:t>B2B2C</a:t>
+          </a:r>
+          <a:endParaRPr lang="en-US" sz="3000" kern="1200"/>
+        </a:p>
+      </dsp:txBody>
+      <dsp:txXfrm>
+        <a:off x="7824041" y="81339"/>
+        <a:ext cx="3430053" cy="864000"/>
+      </dsp:txXfrm>
+    </dsp:sp>
+    <dsp:sp modelId="{87AF9ED1-3C5F-497F-AC5A-A015C738B01F}">
+      <dsp:nvSpPr>
+        <dsp:cNvPr id="0" name=""/>
+        <dsp:cNvSpPr/>
+      </dsp:nvSpPr>
+      <dsp:spPr>
+        <a:xfrm>
+          <a:off x="7824041" y="945339"/>
+          <a:ext cx="3430053" cy="3870450"/>
+        </a:xfrm>
+        <a:prstGeom prst="rect">
+          <a:avLst/>
+        </a:prstGeom>
+        <a:solidFill>
+          <a:schemeClr val="accent1">
+            <a:alpha val="90000"/>
+            <a:tint val="40000"/>
+            <a:hueOff val="0"/>
+            <a:satOff val="0"/>
+            <a:lumOff val="0"/>
+            <a:alphaOff val="0"/>
+          </a:schemeClr>
+        </a:solidFill>
+        <a:ln w="12700" cap="flat" cmpd="sng" algn="ctr">
+          <a:solidFill>
+            <a:schemeClr val="accent1">
+              <a:alpha val="90000"/>
+              <a:tint val="40000"/>
+              <a:hueOff val="0"/>
+              <a:satOff val="0"/>
+              <a:lumOff val="0"/>
+              <a:alphaOff val="0"/>
+            </a:schemeClr>
+          </a:solidFill>
+          <a:prstDash val="solid"/>
+          <a:miter lim="800000"/>
+        </a:ln>
+        <a:effectLst/>
+      </dsp:spPr>
+      <dsp:style>
+        <a:lnRef idx="2">
+          <a:scrgbClr r="0" g="0" b="0"/>
+        </a:lnRef>
+        <a:fillRef idx="1">
+          <a:scrgbClr r="0" g="0" b="0"/>
+        </a:fillRef>
+        <a:effectRef idx="0">
+          <a:scrgbClr r="0" g="0" b="0"/>
+        </a:effectRef>
+        <a:fontRef idx="minor"/>
+      </dsp:style>
+      <dsp:txBody>
+        <a:bodyPr spcFirstLastPara="0" vert="horz" wrap="square" lIns="160020" tIns="160020" rIns="213360" bIns="240030" numCol="1" spcCol="1270" anchor="t" anchorCtr="0">
+          <a:noAutofit/>
+        </a:bodyPr>
+        <a:lstStyle/>
+        <a:p>
+          <a:pPr marL="285750" lvl="1" indent="-285750" algn="l" defTabSz="1333500">
+            <a:lnSpc>
+              <a:spcPct val="90000"/>
+            </a:lnSpc>
+            <a:spcBef>
+              <a:spcPct val="0"/>
+            </a:spcBef>
+            <a:spcAft>
+              <a:spcPct val="15000"/>
+            </a:spcAft>
+            <a:buChar char="••"/>
+          </a:pPr>
+          <a:r>
+            <a:rPr lang="en-US" sz="3000" kern="1200"/>
+            <a:t>Act as bridge between individual users and potential finance services - small fee would be applied</a:t>
+          </a:r>
+          <a:endParaRPr lang="en-US" sz="3000" kern="1200"/>
+        </a:p>
+      </dsp:txBody>
+      <dsp:txXfrm>
+        <a:off x="7824041" y="945339"/>
+        <a:ext cx="3430053" cy="3870450"/>
+      </dsp:txXfrm>
+    </dsp:sp>
+  </dsp:spTree>
+</dsp:drawing>
+</file>
+
+<file path=ppt/diagrams/layout1.xml><?xml version="1.0" encoding="utf-8"?>
+<dgm:layoutDef xmlns:dgm="http://schemas.openxmlformats.org/drawingml/2006/diagram" xmlns:a="http://schemas.openxmlformats.org/drawingml/2006/main" uniqueId="urn:microsoft.com/office/officeart/2005/8/layout/hList1">
+  <dgm:title val=""/>
+  <dgm:desc val=""/>
+  <dgm:catLst>
+    <dgm:cat type="list" pri="5000"/>
+    <dgm:cat type="convert" pri="5000"/>
+  </dgm:catLst>
+  <dgm:sampData>
+    <dgm:dataModel>
+      <dgm:ptLst>
+        <dgm:pt modelId="0" type="doc"/>
+        <dgm:pt modelId="1">
+          <dgm:prSet phldr="1"/>
+        </dgm:pt>
+        <dgm:pt modelId="11">
+          <dgm:prSet phldr="1"/>
+        </dgm:pt>
+        <dgm:pt modelId="12">
+          <dgm:prSet phldr="1"/>
+        </dgm:pt>
+        <dgm:pt modelId="2">
+          <dgm:prSet phldr="1"/>
+        </dgm:pt>
+        <dgm:pt modelId="21">
+          <dgm:prSet phldr="1"/>
+        </dgm:pt>
+        <dgm:pt modelId="22">
+          <dgm:prSet phldr="1"/>
+        </dgm:pt>
+        <dgm:pt modelId="3">
+          <dgm:prSet phldr="1"/>
+        </dgm:pt>
+        <dgm:pt modelId="31">
+          <dgm:prSet phldr="1"/>
+        </dgm:pt>
+        <dgm:pt modelId="32">
+          <dgm:prSet phldr="1"/>
+        </dgm:pt>
+      </dgm:ptLst>
+      <dgm:cxnLst>
+        <dgm:cxn modelId="4" srcId="0" destId="1" srcOrd="0" destOrd="0"/>
+        <dgm:cxn modelId="5" srcId="0" destId="2" srcOrd="1" destOrd="0"/>
+        <dgm:cxn modelId="6" srcId="0" destId="3" srcOrd="2" destOrd="0"/>
+        <dgm:cxn modelId="13" srcId="1" destId="11" srcOrd="0" destOrd="0"/>
+        <dgm:cxn modelId="14" srcId="1" destId="12" srcOrd="1" destOrd="0"/>
+        <dgm:cxn modelId="23" srcId="2" destId="21" srcOrd="0" destOrd="0"/>
+        <dgm:cxn modelId="24" srcId="2" destId="22" srcOrd="1" destOrd="0"/>
+        <dgm:cxn modelId="33" srcId="3" destId="31" srcOrd="0" destOrd="0"/>
+        <dgm:cxn modelId="34" srcId="3" destId="32" srcOrd="1" destOrd="0"/>
+      </dgm:cxnLst>
+      <dgm:bg/>
+      <dgm:whole/>
+    </dgm:dataModel>
+  </dgm:sampData>
+  <dgm:styleData>
+    <dgm:dataModel>
+      <dgm:ptLst>
+        <dgm:pt modelId="0" type="doc"/>
+        <dgm:pt modelId="1">
+          <dgm:prSet phldr="1"/>
+        </dgm:pt>
+        <dgm:pt modelId="2">
+          <dgm:prSet phldr="1"/>
+        </dgm:pt>
+      </dgm:ptLst>
+      <dgm:cxnLst>
+        <dgm:cxn modelId="3" srcId="0" destId="1" srcOrd="0" destOrd="0"/>
+        <dgm:cxn modelId="4" srcId="0" destId="2" srcOrd="1" destOrd="0"/>
+      </dgm:cxnLst>
+      <dgm:bg/>
+      <dgm:whole/>
+    </dgm:dataModel>
+  </dgm:styleData>
+  <dgm:clrData>
+    <dgm:dataModel>
+      <dgm:ptLst>
+        <dgm:pt modelId="0" type="doc"/>
+        <dgm:pt modelId="1">
+          <dgm:prSet phldr="1"/>
+        </dgm:pt>
+        <dgm:pt modelId="2">
+          <dgm:prSet phldr="1"/>
+        </dgm:pt>
+        <dgm:pt modelId="3">
+          <dgm:prSet phldr="1"/>
+        </dgm:pt>
+        <dgm:pt modelId="4">
+          <dgm:prSet phldr="1"/>
+        </dgm:pt>
+      </dgm:ptLst>
+      <dgm:cxnLst>
+        <dgm:cxn modelId="5" srcId="0" destId="1" srcOrd="0" destOrd="0"/>
+        <dgm:cxn modelId="6" srcId="0" destId="2" srcOrd="1" destOrd="0"/>
+        <dgm:cxn modelId="7" srcId="0" destId="3" srcOrd="2" destOrd="0"/>
+        <dgm:cxn modelId="8" srcId="0" destId="4" srcOrd="3" destOrd="0"/>
+      </dgm:cxnLst>
+      <dgm:bg/>
+      <dgm:whole/>
+    </dgm:dataModel>
+  </dgm:clrData>
+  <dgm:layoutNode name="Name0">
+    <dgm:varLst>
+      <dgm:dir/>
+      <dgm:animLvl val="lvl"/>
+      <dgm:resizeHandles val="exact"/>
+    </dgm:varLst>
+    <dgm:choose name="Name1">
+      <dgm:if name="Name2" func="var" arg="dir" op="equ" val="norm">
+        <dgm:alg type="lin"/>
+      </dgm:if>
+      <dgm:else name="Name3">
+        <dgm:alg type="lin">
+          <dgm:param type="linDir" val="fromR"/>
+        </dgm:alg>
+      </dgm:else>
+    </dgm:choose>
+    <dgm:shape xmlns:r="http://schemas.openxmlformats.org/officeDocument/2006/relationships" r:blip="">
+      <dgm:adjLst/>
+    </dgm:shape>
+    <dgm:presOf/>
+    <dgm:constrLst>
+      <dgm:constr type="h" for="ch" forName="composite" refType="h"/>
+      <dgm:constr type="w" for="ch" forName="composite" refType="w"/>
+      <dgm:constr type="w" for="des" forName="parTx"/>
+      <dgm:constr type="h" for="des" forName="parTx" op="equ"/>
+      <dgm:constr type="w" for="des" forName="desTx"/>
+      <dgm:constr type="h" for="des" forName="desTx" op="equ"/>
+      <dgm:constr type="primFontSz" for="des" forName="parTx" val="65"/>
+      <dgm:constr type="secFontSz" for="des" forName="desTx" refType="primFontSz" refFor="des" refForName="parTx" op="equ"/>
+      <dgm:constr type="h" for="des" forName="parTx" refType="primFontSz" refFor="des" refForName="parTx" fact="0.8"/>
+      <dgm:constr type="h" for="des" forName="desTx" refType="primFontSz" refFor="des" refForName="parTx" fact="1.22"/>
+      <dgm:constr type="w" for="ch" forName="space" refType="w" refFor="ch" refForName="composite" op="equ" fact="0.14"/>
+    </dgm:constrLst>
+    <dgm:ruleLst>
+      <dgm:rule type="w" for="ch" forName="composite" val="0" fact="NaN" max="NaN"/>
+      <dgm:rule type="primFontSz" for="des" forName="parTx" val="5" fact="NaN" max="NaN"/>
+    </dgm:ruleLst>
+    <dgm:forEach name="Name4" axis="ch" ptType="node">
+      <dgm:layoutNode name="composite">
+        <dgm:alg type="composite"/>
+        <dgm:shape xmlns:r="http://schemas.openxmlformats.org/officeDocument/2006/relationships" r:blip="">
+          <dgm:adjLst/>
+        </dgm:shape>
+        <dgm:presOf/>
+        <dgm:constrLst>
+          <dgm:constr type="l" for="ch" forName="parTx"/>
+          <dgm:constr type="w" for="ch" forName="parTx" refType="w"/>
+          <dgm:constr type="t" for="ch" forName="parTx"/>
+          <dgm:constr type="l" for="ch" forName="desTx"/>
+          <dgm:constr type="w" for="ch" forName="desTx" refType="w" refFor="ch" refForName="parTx"/>
+          <dgm:constr type="t" for="ch" forName="desTx" refType="h" refFor="ch" refForName="parTx"/>
+        </dgm:constrLst>
+        <dgm:ruleLst>
+          <dgm:rule type="h" val="INF" fact="NaN" max="NaN"/>
+        </dgm:ruleLst>
+        <dgm:layoutNode name="parTx" styleLbl="alignNode1">
+          <dgm:varLst>
+            <dgm:chMax val="0"/>
+            <dgm:chPref val="0"/>
+            <dgm:bulletEnabled val="1"/>
+          </dgm:varLst>
+          <dgm:alg type="tx"/>
+          <dgm:shape xmlns:r="http://schemas.openxmlformats.org/officeDocument/2006/relationships" type="rect" r:blip="">
+            <dgm:adjLst/>
+          </dgm:shape>
+          <dgm:presOf axis="self" ptType="node"/>
+          <dgm:constrLst>
+            <dgm:constr type="h" refType="w" op="lte" fact="0.4"/>
+            <dgm:constr type="h"/>
+            <dgm:constr type="tMarg" refType="primFontSz" fact="0.32"/>
+            <dgm:constr type="bMarg" refType="primFontSz" fact="0.32"/>
+          </dgm:constrLst>
+          <dgm:ruleLst>
+            <dgm:rule type="h" val="INF" fact="NaN" max="NaN"/>
+          </dgm:ruleLst>
+        </dgm:layoutNode>
+        <dgm:layoutNode name="desTx" styleLbl="alignAccFollowNode1">
+          <dgm:varLst>
+            <dgm:bulletEnabled val="1"/>
+          </dgm:varLst>
+          <dgm:alg type="tx">
+            <dgm:param type="stBulletLvl" val="1"/>
+          </dgm:alg>
+          <dgm:shape xmlns:r="http://schemas.openxmlformats.org/officeDocument/2006/relationships" type="rect" r:blip="">
+            <dgm:adjLst/>
+          </dgm:shape>
+          <dgm:presOf axis="des" ptType="node"/>
+          <dgm:constrLst>
+            <dgm:constr type="secFontSz" val="65"/>
+            <dgm:constr type="primFontSz" refType="secFontSz"/>
+            <dgm:constr type="h"/>
+            <dgm:constr type="lMarg" refType="primFontSz" fact="0.42"/>
+            <dgm:constr type="tMarg" refType="primFontSz" fact="0.42"/>
+            <dgm:constr type="bMarg" refType="primFontSz" fact="0.63"/>
+          </dgm:constrLst>
+          <dgm:ruleLst>
+            <dgm:rule type="h" val="INF" fact="NaN" max="NaN"/>
+          </dgm:ruleLst>
+        </dgm:layoutNode>
+      </dgm:layoutNode>
+      <dgm:forEach name="Name5" axis="followSib" ptType="sibTrans" cnt="1">
+        <dgm:layoutNode name="space">
+          <dgm:alg type="sp"/>
+          <dgm:shape xmlns:r="http://schemas.openxmlformats.org/officeDocument/2006/relationships" r:blip="">
+            <dgm:adjLst/>
+          </dgm:shape>
+          <dgm:presOf/>
+          <dgm:constrLst/>
+          <dgm:ruleLst/>
+        </dgm:layoutNode>
+      </dgm:forEach>
+    </dgm:forEach>
+  </dgm:layoutNode>
+</dgm:layoutDef>
+</file>
+
+<file path=ppt/diagrams/quickStyle1.xml><?xml version="1.0" encoding="utf-8"?>
+<dgm:styleDef xmlns:dgm="http://schemas.openxmlformats.org/drawingml/2006/diagram" xmlns:a="http://schemas.openxmlformats.org/drawingml/2006/main" uniqueId="urn:microsoft.com/office/officeart/2005/8/quickstyle/simple1">
+  <dgm:title val=""/>
+  <dgm:desc val=""/>
+  <dgm:catLst>
+    <dgm:cat type="simple" pri="10100"/>
+  </dgm:catLst>
+  <dgm:scene3d>
+    <a:camera prst="orthographicFront"/>
+    <a:lightRig rig="threePt" dir="t"/>
+  </dgm:scene3d>
+  <dgm:styleLbl name="node0">
+    <dgm:scene3d>
+      <a:camera prst="orthographicFront"/>
+      <a:lightRig rig="threePt" dir="t"/>
+    </dgm:scene3d>
+    <dgm:sp3d/>
+    <dgm:txPr/>
+    <dgm:style>
+      <a:lnRef idx="2">
+        <a:scrgbClr r="0" g="0" b="0"/>
+      </a:lnRef>
+      <a:fillRef idx="1">
+        <a:scrgbClr r="0" g="0" b="0"/>
+      </a:fillRef>
+      <a:effectRef idx="0">
+        <a:scrgbClr r="0" g="0" b="0"/>
+      </a:effectRef>
+      <a:fontRef idx="minor">
+        <a:schemeClr val="lt1"/>
+      </a:fontRef>
+    </dgm:style>
+  </dgm:styleLbl>
+  <dgm:styleLbl name="lnNode1">
+    <dgm:scene3d>
+      <a:camera prst="orthographicFront"/>
+      <a:lightRig rig="threePt" dir="t"/>
+    </dgm:scene3d>
+    <dgm:sp3d/>
+    <dgm:txPr/>
+    <dgm:style>
+      <a:lnRef idx="2">
+        <a:scrgbClr r="0" g="0" b="0"/>
+      </a:lnRef>
+      <a:fillRef idx="1">
+        <a:scrgbClr r="0" g="0" b="0"/>
+      </a:fillRef>
+      <a:effectRef idx="0">
+        <a:scrgbClr r="0" g="0" b="0"/>
+      </a:effectRef>
+      <a:fontRef idx="minor">
+        <a:schemeClr val="lt1"/>
+      </a:fontRef>
+    </dgm:style>
+  </dgm:styleLbl>
+  <dgm:styleLbl name="vennNode1">
+    <dgm:scene3d>
+      <a:camera prst="orthographicFront"/>
+      <a:lightRig rig="threePt" dir="t"/>
+    </dgm:scene3d>
+    <dgm:sp3d/>
+    <dgm:txPr/>
+    <dgm:style>
+      <a:lnRef idx="2">
+        <a:scrgbClr r="0" g="0" b="0"/>
+      </a:lnRef>
+      <a:fillRef idx="1">
+        <a:scrgbClr r="0" g="0" b="0"/>
+      </a:fillRef>
+      <a:effectRef idx="0">
+        <a:scrgbClr r="0" g="0" b="0"/>
+      </a:effectRef>
+      <a:fontRef idx="minor">
+        <a:schemeClr val="tx1"/>
+      </a:fontRef>
+    </dgm:style>
+  </dgm:styleLbl>
+  <dgm:styleLbl name="alignNode1">
+    <dgm:scene3d>
+      <a:camera prst="orthographicFront"/>
+      <a:lightRig rig="threePt" dir="t"/>
+    </dgm:scene3d>
+    <dgm:sp3d/>
+    <dgm:txPr/>
+    <dgm:style>
+      <a:lnRef idx="2">
+        <a:scrgbClr r="0" g="0" b="0"/>
+      </a:lnRef>
+      <a:fillRef idx="1">
+        <a:scrgbClr r="0" g="0" b="0"/>
+      </a:fillRef>
+      <a:effectRef idx="0">
+        <a:scrgbClr r="0" g="0" b="0"/>
+      </a:effectRef>
+      <a:fontRef idx="minor">
+        <a:schemeClr val="lt1"/>
+      </a:fontRef>
+    </dgm:style>
+  </dgm:styleLbl>
+  <dgm:styleLbl name="node1">
+    <dgm:scene3d>
+      <a:camera prst="orthographicFront"/>
+      <a:lightRig rig="threePt" dir="t"/>
+    </dgm:scene3d>
+    <dgm:sp3d/>
+    <dgm:txPr/>
+    <dgm:style>
+      <a:lnRef idx="2">
+        <a:scrgbClr r="0" g="0" b="0"/>
+      </a:lnRef>
+      <a:fillRef idx="1">
+        <a:scrgbClr r="0" g="0" b="0"/>
+      </a:fillRef>
+      <a:effectRef idx="0">
+        <a:scrgbClr r="0" g="0" b="0"/>
+      </a:effectRef>
+      <a:fontRef idx="minor">
+        <a:schemeClr val="lt1"/>
+      </a:fontRef>
+    </dgm:style>
+  </dgm:styleLbl>
+  <dgm:styleLbl name="node2">
+    <dgm:scene3d>
+      <a:camera prst="orthographicFront"/>
+      <a:lightRig rig="threePt" dir="t"/>
+    </dgm:scene3d>
+    <dgm:sp3d/>
+    <dgm:txPr/>
+    <dgm:style>
+      <a:lnRef idx="2">
+        <a:scrgbClr r="0" g="0" b="0"/>
+      </a:lnRef>
+      <a:fillRef idx="1">
+        <a:scrgbClr r="0" g="0" b="0"/>
+      </a:fillRef>
+      <a:effectRef idx="0">
+        <a:scrgbClr r="0" g="0" b="0"/>
+      </a:effectRef>
+      <a:fontRef idx="minor">
+        <a:schemeClr val="lt1"/>
+      </a:fontRef>
+    </dgm:style>
+  </dgm:styleLbl>
+  <dgm:styleLbl name="node3">
+    <dgm:scene3d>
+      <a:camera prst="orthographicFront"/>
+      <a:lightRig rig="threePt" dir="t"/>
+    </dgm:scene3d>
+    <dgm:sp3d/>
+    <dgm:txPr/>
+    <dgm:style>
+      <a:lnRef idx="2">
+        <a:scrgbClr r="0" g="0" b="0"/>
+      </a:lnRef>
+      <a:fillRef idx="1">
+        <a:scrgbClr r="0" g="0" b="0"/>
+      </a:fillRef>
+      <a:effectRef idx="0">
+        <a:scrgbClr r="0" g="0" b="0"/>
+      </a:effectRef>
+      <a:fontRef idx="minor">
+        <a:schemeClr val="lt1"/>
+      </a:fontRef>
+    </dgm:style>
+  </dgm:styleLbl>
+  <dgm:styleLbl name="node4">
+    <dgm:scene3d>
+      <a:camera prst="orthographicFront"/>
+      <a:lightRig rig="threePt" dir="t"/>
+    </dgm:scene3d>
+    <dgm:sp3d/>
+    <dgm:txPr/>
+    <dgm:style>
+      <a:lnRef idx="2">
+        <a:scrgbClr r="0" g="0" b="0"/>
+      </a:lnRef>
+      <a:fillRef idx="1">
+        <a:scrgbClr r="0" g="0" b="0"/>
+      </a:fillRef>
+      <a:effectRef idx="0">
+        <a:scrgbClr r="0" g="0" b="0"/>
+      </a:effectRef>
+      <a:fontRef idx="minor">
+        <a:schemeClr val="lt1"/>
+      </a:fontRef>
+    </dgm:style>
+  </dgm:styleLbl>
+  <dgm:styleLbl name="fgImgPlace1">
+    <dgm:scene3d>
+      <a:camera prst="orthographicFront"/>
+      <a:lightRig rig="threePt" dir="t"/>
+    </dgm:scene3d>
+    <dgm:sp3d/>
+    <dgm:txPr/>
+    <dgm:style>
+      <a:lnRef idx="2">
+        <a:scrgbClr r="0" g="0" b="0"/>
+      </a:lnRef>
+      <a:fillRef idx="1">
+        <a:scrgbClr r="0" g="0" b="0"/>
+      </a:fillRef>
+      <a:effectRef idx="0">
+        <a:scrgbClr r="0" g="0" b="0"/>
+      </a:effectRef>
+      <a:fontRef idx="minor"/>
+    </dgm:style>
+  </dgm:styleLbl>
+  <dgm:styleLbl name="alignImgPlace1">
+    <dgm:scene3d>
+      <a:camera prst="orthographicFront"/>
+      <a:lightRig rig="threePt" dir="t"/>
+    </dgm:scene3d>
+    <dgm:sp3d/>
+    <dgm:txPr/>
+    <dgm:style>
+      <a:lnRef idx="2">
+        <a:scrgbClr r="0" g="0" b="0"/>
+      </a:lnRef>
+      <a:fillRef idx="1">
+        <a:scrgbClr r="0" g="0" b="0"/>
+      </a:fillRef>
+      <a:effectRef idx="0">
+        <a:scrgbClr r="0" g="0" b="0"/>
+      </a:effectRef>
+      <a:fontRef idx="minor"/>
+    </dgm:style>
+  </dgm:styleLbl>
+  <dgm:styleLbl name="bgImgPlace1">
+    <dgm:scene3d>
+      <a:camera prst="orthographicFront"/>
+      <a:lightRig rig="threePt" dir="t"/>
+    </dgm:scene3d>
+    <dgm:sp3d/>
+    <dgm:txPr/>
+    <dgm:style>
+      <a:lnRef idx="2">
+        <a:scrgbClr r="0" g="0" b="0"/>
+      </a:lnRef>
+      <a:fillRef idx="1">
+        <a:scrgbClr r="0" g="0" b="0"/>
+      </a:fillRef>
+      <a:effectRef idx="0">
+        <a:scrgbClr r="0" g="0" b="0"/>
+      </a:effectRef>
+      <a:fontRef idx="minor"/>
+    </dgm:style>
+  </dgm:styleLbl>
+  <dgm:styleLbl name="sibTrans2D1">
+    <dgm:scene3d>
+      <a:camera prst="orthographicFront"/>
+      <a:lightRig rig="threePt" dir="t"/>
+    </dgm:scene3d>
+    <dgm:sp3d/>
+    <dgm:txPr/>
+    <dgm:style>
+      <a:lnRef idx="0">
+        <a:scrgbClr r="0" g="0" b="0"/>
+      </a:lnRef>
+      <a:fillRef idx="1">
+        <a:scrgbClr r="0" g="0" b="0"/>
+      </a:fillRef>
+      <a:effectRef idx="0">
+        <a:scrgbClr r="0" g="0" b="0"/>
+      </a:effectRef>
+      <a:fontRef idx="minor">
+        <a:schemeClr val="lt1"/>
+      </a:fontRef>
+    </dgm:style>
+  </dgm:styleLbl>
+  <dgm:styleLbl name="fgSibTrans2D1">
+    <dgm:scene3d>
+      <a:camera prst="orthographicFront"/>
+      <a:lightRig rig="threePt" dir="t"/>
+    </dgm:scene3d>
+    <dgm:sp3d/>
+    <dgm:txPr/>
+    <dgm:style>
+      <a:lnRef idx="0">
+        <a:scrgbClr r="0" g="0" b="0"/>
+      </a:lnRef>
+      <a:fillRef idx="1">
+        <a:scrgbClr r="0" g="0" b="0"/>
+      </a:fillRef>
+      <a:effectRef idx="0">
+        <a:scrgbClr r="0" g="0" b="0"/>
+      </a:effectRef>
+      <a:fontRef idx="minor">
+        <a:schemeClr val="lt1"/>
+      </a:fontRef>
+    </dgm:style>
+  </dgm:styleLbl>
+  <dgm:styleLbl name="bgSibTrans2D1">
+    <dgm:scene3d>
+      <a:camera prst="orthographicFront"/>
+      <a:lightRig rig="threePt" dir="t"/>
+    </dgm:scene3d>
+    <dgm:sp3d/>
+    <dgm:txPr/>
+    <dgm:style>
+      <a:lnRef idx="0">
+        <a:scrgbClr r="0" g="0" b="0"/>
+      </a:lnRef>
+      <a:fillRef idx="1">
+        <a:scrgbClr r="0" g="0" b="0"/>
+      </a:fillRef>
+      <a:effectRef idx="0">
+        <a:scrgbClr r="0" g="0" b="0"/>
+      </a:effectRef>
+      <a:fontRef idx="minor">
+        <a:schemeClr val="lt1"/>
+      </a:fontRef>
+    </dgm:style>
+  </dgm:styleLbl>
+  <dgm:styleLbl name="sibTrans1D1">
+    <dgm:scene3d>
+      <a:camera prst="orthographicFront"/>
+      <a:lightRig rig="threePt" dir="t"/>
+    </dgm:scene3d>
+    <dgm:sp3d/>
+    <dgm:txPr/>
+    <dgm:style>
+      <a:lnRef idx="1">
+        <a:scrgbClr r="0" g="0" b="0"/>
+      </a:lnRef>
+      <a:fillRef idx="0">
+        <a:scrgbClr r="0" g="0" b="0"/>
+      </a:fillRef>
+      <a:effectRef idx="0">
+        <a:scrgbClr r="0" g="0" b="0"/>
+      </a:effectRef>
+      <a:fontRef idx="minor"/>
+    </dgm:style>
+  </dgm:styleLbl>
+  <dgm:styleLbl name="callout">
+    <dgm:scene3d>
+      <a:camera prst="orthographicFront"/>
+      <a:lightRig rig="threePt" dir="t"/>
+    </dgm:scene3d>
+    <dgm:sp3d/>
+    <dgm:txPr/>
+    <dgm:style>
+      <a:lnRef idx="2">
+        <a:scrgbClr r="0" g="0" b="0"/>
+      </a:lnRef>
+      <a:fillRef idx="1">
+        <a:scrgbClr r="0" g="0" b="0"/>
+      </a:fillRef>
+      <a:effectRef idx="0">
+        <a:scrgbClr r="0" g="0" b="0"/>
+      </a:effectRef>
+      <a:fontRef idx="minor"/>
+    </dgm:style>
+  </dgm:styleLbl>
+  <dgm:styleLbl name="asst0">
+    <dgm:scene3d>
+      <a:camera prst="orthographicFront"/>
+      <a:lightRig rig="threePt" dir="t"/>
+    </dgm:scene3d>
+    <dgm:sp3d/>
+    <dgm:txPr/>
+    <dgm:style>
+      <a:lnRef idx="2">
+        <a:scrgbClr r="0" g="0" b="0"/>
+      </a:lnRef>
+      <a:fillRef idx="1">
+        <a:scrgbClr r="0" g="0" b="0"/>
+      </a:fillRef>
+      <a:effectRef idx="0">
+        <a:scrgbClr r="0" g="0" b="0"/>
+      </a:effectRef>
+      <a:fontRef idx="minor">
+        <a:schemeClr val="lt1"/>
+      </a:fontRef>
+    </dgm:style>
+  </dgm:styleLbl>
+  <dgm:styleLbl name="asst1">
+    <dgm:scene3d>
+      <a:camera prst="orthographicFront"/>
+      <a:lightRig rig="threePt" dir="t"/>
+    </dgm:scene3d>
+    <dgm:sp3d/>
+    <dgm:txPr/>
+    <dgm:style>
+      <a:lnRef idx="2">
+        <a:scrgbClr r="0" g="0" b="0"/>
+      </a:lnRef>
+      <a:fillRef idx="1">
+        <a:scrgbClr r="0" g="0" b="0"/>
+      </a:fillRef>
+      <a:effectRef idx="0">
+        <a:scrgbClr r="0" g="0" b="0"/>
+      </a:effectRef>
+      <a:fontRef idx="minor">
+        <a:schemeClr val="lt1"/>
+      </a:fontRef>
+    </dgm:style>
+  </dgm:styleLbl>
+  <dgm:styleLbl name="asst2">
+    <dgm:scene3d>
+      <a:camera prst="orthographicFront"/>
+      <a:lightRig rig="threePt" dir="t"/>
+    </dgm:scene3d>
+    <dgm:sp3d/>
+    <dgm:txPr/>
+    <dgm:style>
+      <a:lnRef idx="2">
+        <a:scrgbClr r="0" g="0" b="0"/>
+      </a:lnRef>
+      <a:fillRef idx="1">
+        <a:scrgbClr r="0" g="0" b="0"/>
+      </a:fillRef>
+      <a:effectRef idx="0">
+        <a:scrgbClr r="0" g="0" b="0"/>
+      </a:effectRef>
+      <a:fontRef idx="minor">
+        <a:schemeClr val="lt1"/>
+      </a:fontRef>
+    </dgm:style>
+  </dgm:styleLbl>
+  <dgm:styleLbl name="asst3">
+    <dgm:scene3d>
+      <a:camera prst="orthographicFront"/>
+      <a:lightRig rig="threePt" dir="t"/>
+    </dgm:scene3d>
+    <dgm:sp3d/>
+    <dgm:txPr/>
+    <dgm:style>
+      <a:lnRef idx="2">
+        <a:scrgbClr r="0" g="0" b="0"/>
+      </a:lnRef>
+      <a:fillRef idx="1">
+        <a:scrgbClr r="0" g="0" b="0"/>
+      </a:fillRef>
+      <a:effectRef idx="0">
+        <a:scrgbClr r="0" g="0" b="0"/>
+      </a:effectRef>
+      <a:fontRef idx="minor">
+        <a:schemeClr val="lt1"/>
+      </a:fontRef>
+    </dgm:style>
+  </dgm:styleLbl>
+  <dgm:styleLbl name="asst4">
+    <dgm:scene3d>
+      <a:camera prst="orthographicFront"/>
+      <a:lightRig rig="threePt" dir="t"/>
+    </dgm:scene3d>
+    <dgm:sp3d/>
+    <dgm:txPr/>
+    <dgm:style>
+      <a:lnRef idx="2">
+        <a:scrgbClr r="0" g="0" b="0"/>
+      </a:lnRef>
+      <a:fillRef idx="1">
+        <a:scrgbClr r="0" g="0" b="0"/>
+      </a:fillRef>
+      <a:effectRef idx="0">
+        <a:scrgbClr r="0" g="0" b="0"/>
+      </a:effectRef>
+      <a:fontRef idx="minor">
+        <a:schemeClr val="lt1"/>
+      </a:fontRef>
+    </dgm:style>
+  </dgm:styleLbl>
+  <dgm:styleLbl name="parChTrans2D1">
+    <dgm:scene3d>
+      <a:camera prst="orthographicFront"/>
+      <a:lightRig rig="threePt" dir="t"/>
+    </dgm:scene3d>
+    <dgm:sp3d/>
+    <dgm:txPr/>
+    <dgm:style>
+      <a:lnRef idx="2">
+        <a:scrgbClr r="0" g="0" b="0"/>
+      </a:lnRef>
+      <a:fillRef idx="1">
+        <a:scrgbClr r="0" g="0" b="0"/>
+      </a:fillRef>
+      <a:effectRef idx="0">
+        <a:scrgbClr r="0" g="0" b="0"/>
+      </a:effectRef>
+      <a:fontRef idx="minor">
+        <a:schemeClr val="lt1"/>
+      </a:fontRef>
+    </dgm:style>
+  </dgm:styleLbl>
+  <dgm:styleLbl name="parChTrans2D2">
+    <dgm:scene3d>
+      <a:camera prst="orthographicFront"/>
+      <a:lightRig rig="threePt" dir="t"/>
+    </dgm:scene3d>
+    <dgm:sp3d/>
+    <dgm:txPr/>
+    <dgm:style>
+      <a:lnRef idx="2">
+        <a:scrgbClr r="0" g="0" b="0"/>
+      </a:lnRef>
+      <a:fillRef idx="1">
+        <a:scrgbClr r="0" g="0" b="0"/>
+      </a:fillRef>
+      <a:effectRef idx="0">
+        <a:scrgbClr r="0" g="0" b="0"/>
+      </a:effectRef>
+      <a:fontRef idx="minor">
+        <a:schemeClr val="lt1"/>
+      </a:fontRef>
+    </dgm:style>
+  </dgm:styleLbl>
+  <dgm:styleLbl name="parChTrans2D3">
+    <dgm:scene3d>
+      <a:camera prst="orthographicFront"/>
+      <a:lightRig rig="threePt" dir="t"/>
+    </dgm:scene3d>
+    <dgm:sp3d/>
+    <dgm:txPr/>
+    <dgm:style>
+      <a:lnRef idx="2">
+        <a:scrgbClr r="0" g="0" b="0"/>
+      </a:lnRef>
+      <a:fillRef idx="1">
+        <a:scrgbClr r="0" g="0" b="0"/>
+      </a:fillRef>
+      <a:effectRef idx="0">
+        <a:scrgbClr r="0" g="0" b="0"/>
+      </a:effectRef>
+      <a:fontRef idx="minor">
+        <a:schemeClr val="lt1"/>
+      </a:fontRef>
+    </dgm:style>
+  </dgm:styleLbl>
+  <dgm:styleLbl name="parChTrans2D4">
+    <dgm:scene3d>
+      <a:camera prst="orthographicFront"/>
+      <a:lightRig rig="threePt" dir="t"/>
+    </dgm:scene3d>
+    <dgm:sp3d/>
+    <dgm:txPr/>
+    <dgm:style>
+      <a:lnRef idx="2">
+        <a:scrgbClr r="0" g="0" b="0"/>
+      </a:lnRef>
+      <a:fillRef idx="1">
+        <a:scrgbClr r="0" g="0" b="0"/>
+      </a:fillRef>
+      <a:effectRef idx="0">
+        <a:scrgbClr r="0" g="0" b="0"/>
+      </a:effectRef>
+      <a:fontRef idx="minor">
+        <a:schemeClr val="lt1"/>
+      </a:fontRef>
+    </dgm:style>
+  </dgm:styleLbl>
+  <dgm:styleLbl name="parChTrans1D1">
+    <dgm:scene3d>
+      <a:camera prst="orthographicFront"/>
+      <a:lightRig rig="threePt" dir="t"/>
+    </dgm:scene3d>
+    <dgm:sp3d/>
+    <dgm:txPr/>
+    <dgm:style>
+      <a:lnRef idx="2">
+        <a:scrgbClr r="0" g="0" b="0"/>
+      </a:lnRef>
+      <a:fillRef idx="0">
+        <a:scrgbClr r="0" g="0" b="0"/>
+      </a:fillRef>
+      <a:effectRef idx="0">
+        <a:scrgbClr r="0" g="0" b="0"/>
+      </a:effectRef>
+      <a:fontRef idx="minor"/>
+    </dgm:style>
+  </dgm:styleLbl>
+  <dgm:styleLbl name="parChTrans1D2">
+    <dgm:scene3d>
+      <a:camera prst="orthographicFront"/>
+      <a:lightRig rig="threePt" dir="t"/>
+    </dgm:scene3d>
+    <dgm:sp3d/>
+    <dgm:txPr/>
+    <dgm:style>
+      <a:lnRef idx="2">
+        <a:scrgbClr r="0" g="0" b="0"/>
+      </a:lnRef>
+      <a:fillRef idx="0">
+        <a:scrgbClr r="0" g="0" b="0"/>
+      </a:fillRef>
+      <a:effectRef idx="0">
+        <a:scrgbClr r="0" g="0" b="0"/>
+      </a:effectRef>
+      <a:fontRef idx="minor"/>
+    </dgm:style>
+  </dgm:styleLbl>
+  <dgm:styleLbl name="parChTrans1D3">
+    <dgm:scene3d>
+      <a:camera prst="orthographicFront"/>
+      <a:lightRig rig="threePt" dir="t"/>
+    </dgm:scene3d>
+    <dgm:sp3d/>
+    <dgm:txPr/>
+    <dgm:style>
+      <a:lnRef idx="2">
+        <a:scrgbClr r="0" g="0" b="0"/>
+      </a:lnRef>
+      <a:fillRef idx="0">
+        <a:scrgbClr r="0" g="0" b="0"/>
+      </a:fillRef>
+      <a:effectRef idx="0">
+        <a:scrgbClr r="0" g="0" b="0"/>
+      </a:effectRef>
+      <a:fontRef idx="minor"/>
+    </dgm:style>
+  </dgm:styleLbl>
+  <dgm:styleLbl name="parChTrans1D4">
+    <dgm:scene3d>
+      <a:camera prst="orthographicFront"/>
+      <a:lightRig rig="threePt" dir="t"/>
+    </dgm:scene3d>
+    <dgm:sp3d/>
+    <dgm:txPr/>
+    <dgm:style>
+      <a:lnRef idx="2">
+        <a:scrgbClr r="0" g="0" b="0"/>
+      </a:lnRef>
+      <a:fillRef idx="0">
+        <a:scrgbClr r="0" g="0" b="0"/>
+      </a:fillRef>
+      <a:effectRef idx="0">
+        <a:scrgbClr r="0" g="0" b="0"/>
+      </a:effectRef>
+      <a:fontRef idx="minor"/>
+    </dgm:style>
+  </dgm:styleLbl>
+  <dgm:styleLbl name="fgAcc1">
+    <dgm:scene3d>
+      <a:camera prst="orthographicFront"/>
+      <a:lightRig rig="threePt" dir="t"/>
+    </dgm:scene3d>
+    <dgm:sp3d/>
+    <dgm:txPr/>
+    <dgm:style>
+      <a:lnRef idx="2">
+        <a:scrgbClr r="0" g="0" b="0"/>
+      </a:lnRef>
+      <a:fillRef idx="1">
+        <a:scrgbClr r="0" g="0" b="0"/>
+      </a:fillRef>
+      <a:effectRef idx="0">
+        <a:scrgbClr r="0" g="0" b="0"/>
+      </a:effectRef>
+      <a:fontRef idx="minor"/>
+    </dgm:style>
+  </dgm:styleLbl>
+  <dgm:styleLbl name="conFgAcc1">
+    <dgm:scene3d>
+      <a:camera prst="orthographicFront"/>
+      <a:lightRig rig="threePt" dir="t"/>
+    </dgm:scene3d>
+    <dgm:sp3d/>
+    <dgm:txPr/>
+    <dgm:style>
+      <a:lnRef idx="2">
+        <a:scrgbClr r="0" g="0" b="0"/>
+      </a:lnRef>
+      <a:fillRef idx="1">
+        <a:scrgbClr r="0" g="0" b="0"/>
+      </a:fillRef>
+      <a:effectRef idx="0">
+        <a:scrgbClr r="0" g="0" b="0"/>
+      </a:effectRef>
+      <a:fontRef idx="minor"/>
+    </dgm:style>
+  </dgm:styleLbl>
+  <dgm:styleLbl name="alignAcc1">
+    <dgm:scene3d>
+      <a:camera prst="orthographicFront"/>
+      <a:lightRig rig="threePt" dir="t"/>
+    </dgm:scene3d>
+    <dgm:sp3d/>
+    <dgm:txPr/>
+    <dgm:style>
+      <a:lnRef idx="2">
+        <a:scrgbClr r="0" g="0" b="0"/>
+      </a:lnRef>
+      <a:fillRef idx="1">
+        <a:scrgbClr r="0" g="0" b="0"/>
+      </a:fillRef>
+      <a:effectRef idx="0">
+        <a:scrgbClr r="0" g="0" b="0"/>
+      </a:effectRef>
+      <a:fontRef idx="minor"/>
+    </dgm:style>
+  </dgm:styleLbl>
+  <dgm:styleLbl name="trAlignAcc1">
+    <dgm:scene3d>
+      <a:camera prst="orthographicFront"/>
+      <a:lightRig rig="threePt" dir="t"/>
+    </dgm:scene3d>
+    <dgm:sp3d/>
+    <dgm:txPr/>
+    <dgm:style>
+      <a:lnRef idx="1">
+        <a:scrgbClr r="0" g="0" b="0"/>
+      </a:lnRef>
+      <a:fillRef idx="1">
+        <a:scrgbClr r="0" g="0" b="0"/>
+      </a:fillRef>
+      <a:effectRef idx="0">
+        <a:scrgbClr r="0" g="0" b="0"/>
+      </a:effectRef>
+      <a:fontRef idx="minor"/>
+    </dgm:style>
+  </dgm:styleLbl>
+  <dgm:styleLbl name="bgAcc1">
+    <dgm:scene3d>
+      <a:camera prst="orthographicFront"/>
+      <a:lightRig rig="threePt" dir="t"/>
+    </dgm:scene3d>
+    <dgm:sp3d/>
+    <dgm:txPr/>
+    <dgm:style>
+      <a:lnRef idx="2">
+        <a:scrgbClr r="0" g="0" b="0"/>
+      </a:lnRef>
+      <a:fillRef idx="1">
+        <a:scrgbClr r="0" g="0" b="0"/>
+      </a:fillRef>
+      <a:effectRef idx="0">
+        <a:scrgbClr r="0" g="0" b="0"/>
+      </a:effectRef>
+      <a:fontRef idx="minor"/>
+    </dgm:style>
+  </dgm:styleLbl>
+  <dgm:styleLbl name="solidFgAcc1">
+    <dgm:scene3d>
+      <a:camera prst="orthographicFront"/>
+      <a:lightRig rig="threePt" dir="t"/>
+    </dgm:scene3d>
+    <dgm:sp3d/>
+    <dgm:txPr/>
+    <dgm:style>
+      <a:lnRef idx="2">
+        <a:scrgbClr r="0" g="0" b="0"/>
+      </a:lnRef>
+      <a:fillRef idx="1">
+        <a:scrgbClr r="0" g="0" b="0"/>
+      </a:fillRef>
+      <a:effectRef idx="0">
+        <a:scrgbClr r="0" g="0" b="0"/>
+      </a:effectRef>
+      <a:fontRef idx="minor"/>
+    </dgm:style>
+  </dgm:styleLbl>
+  <dgm:styleLbl name="solidAlignAcc1">
+    <dgm:scene3d>
+      <a:camera prst="orthographicFront"/>
+      <a:lightRig rig="threePt" dir="t"/>
+    </dgm:scene3d>
+    <dgm:sp3d/>
+    <dgm:txPr/>
+    <dgm:style>
+      <a:lnRef idx="2">
+        <a:scrgbClr r="0" g="0" b="0"/>
+      </a:lnRef>
+      <a:fillRef idx="1">
+        <a:scrgbClr r="0" g="0" b="0"/>
+      </a:fillRef>
+      <a:effectRef idx="0">
+        <a:scrgbClr r="0" g="0" b="0"/>
+      </a:effectRef>
+      <a:fontRef idx="minor"/>
+    </dgm:style>
+  </dgm:styleLbl>
+  <dgm:styleLbl name="solidBgAcc1">
+    <dgm:scene3d>
+      <a:camera prst="orthographicFront"/>
+      <a:lightRig rig="threePt" dir="t"/>
+    </dgm:scene3d>
+    <dgm:sp3d/>
+    <dgm:txPr/>
+    <dgm:style>
+      <a:lnRef idx="2">
+        <a:scrgbClr r="0" g="0" b="0"/>
+      </a:lnRef>
+      <a:fillRef idx="1">
+        <a:scrgbClr r="0" g="0" b="0"/>
+      </a:fillRef>
+      <a:effectRef idx="0">
+        <a:scrgbClr r="0" g="0" b="0"/>
+      </a:effectRef>
+      <a:fontRef idx="minor"/>
+    </dgm:style>
+  </dgm:styleLbl>
+  <dgm:styleLbl name="fgAccFollowNode1">
+    <dgm:scene3d>
+      <a:camera prst="orthographicFront"/>
+      <a:lightRig rig="threePt" dir="t"/>
+    </dgm:scene3d>
+    <dgm:sp3d/>
+    <dgm:txPr/>
+    <dgm:style>
+      <a:lnRef idx="2">
+        <a:scrgbClr r="0" g="0" b="0"/>
+      </a:lnRef>
+      <a:fillRef idx="1">
+        <a:scrgbClr r="0" g="0" b="0"/>
+      </a:fillRef>
+      <a:effectRef idx="0">
+        <a:scrgbClr r="0" g="0" b="0"/>
+      </a:effectRef>
+      <a:fontRef idx="minor"/>
+    </dgm:style>
+  </dgm:styleLbl>
+  <dgm:styleLbl name="alignAccFollowNode1">
+    <dgm:scene3d>
+      <a:camera prst="orthographicFront"/>
+      <a:lightRig rig="threePt" dir="t"/>
+    </dgm:scene3d>
+    <dgm:sp3d/>
+    <dgm:txPr/>
+    <dgm:style>
+      <a:lnRef idx="2">
+        <a:scrgbClr r="0" g="0" b="0"/>
+      </a:lnRef>
+      <a:fillRef idx="1">
+        <a:scrgbClr r="0" g="0" b="0"/>
+      </a:fillRef>
+      <a:effectRef idx="0">
+        <a:scrgbClr r="0" g="0" b="0"/>
+      </a:effectRef>
+      <a:fontRef idx="minor"/>
+    </dgm:style>
+  </dgm:styleLbl>
+  <dgm:styleLbl name="bgAccFollowNode1">
+    <dgm:scene3d>
+      <a:camera prst="orthographicFront"/>
+      <a:lightRig rig="threePt" dir="t"/>
+    </dgm:scene3d>
+    <dgm:sp3d/>
+    <dgm:txPr/>
+    <dgm:style>
+      <a:lnRef idx="2">
+        <a:scrgbClr r="0" g="0" b="0"/>
+      </a:lnRef>
+      <a:fillRef idx="1">
+        <a:scrgbClr r="0" g="0" b="0"/>
+      </a:fillRef>
+      <a:effectRef idx="0">
+        <a:scrgbClr r="0" g="0" b="0"/>
+      </a:effectRef>
+      <a:fontRef idx="minor"/>
+    </dgm:style>
+  </dgm:styleLbl>
+  <dgm:styleLbl name="fgAcc0">
+    <dgm:scene3d>
+      <a:camera prst="orthographicFront"/>
+      <a:lightRig rig="threePt" dir="t"/>
+    </dgm:scene3d>
+    <dgm:sp3d/>
+    <dgm:txPr/>
+    <dgm:style>
+      <a:lnRef idx="2">
+        <a:scrgbClr r="0" g="0" b="0"/>
+      </a:lnRef>
+      <a:fillRef idx="1">
+        <a:scrgbClr r="0" g="0" b="0"/>
+      </a:fillRef>
+      <a:effectRef idx="0">
+        <a:scrgbClr r="0" g="0" b="0"/>
+      </a:effectRef>
+      <a:fontRef idx="minor"/>
+    </dgm:style>
+  </dgm:styleLbl>
+  <dgm:styleLbl name="fgAcc2">
+    <dgm:scene3d>
+      <a:camera prst="orthographicFront"/>
+      <a:lightRig rig="threePt" dir="t"/>
+    </dgm:scene3d>
+    <dgm:sp3d/>
+    <dgm:txPr/>
+    <dgm:style>
+      <a:lnRef idx="2">
+        <a:scrgbClr r="0" g="0" b="0"/>
+      </a:lnRef>
+      <a:fillRef idx="1">
+        <a:scrgbClr r="0" g="0" b="0"/>
+      </a:fillRef>
+      <a:effectRef idx="0">
+        <a:scrgbClr r="0" g="0" b="0"/>
+      </a:effectRef>
+      <a:fontRef idx="minor"/>
+    </dgm:style>
+  </dgm:styleLbl>
+  <dgm:styleLbl name="fgAcc3">
+    <dgm:scene3d>
+      <a:camera prst="orthographicFront"/>
+      <a:lightRig rig="threePt" dir="t"/>
+    </dgm:scene3d>
+    <dgm:sp3d/>
+    <dgm:txPr/>
+    <dgm:style>
+      <a:lnRef idx="2">
+        <a:scrgbClr r="0" g="0" b="0"/>
+      </a:lnRef>
+      <a:fillRef idx="1">
+        <a:scrgbClr r="0" g="0" b="0"/>
+      </a:fillRef>
+      <a:effectRef idx="0">
+        <a:scrgbClr r="0" g="0" b="0"/>
+      </a:effectRef>
+      <a:fontRef idx="minor"/>
+    </dgm:style>
+  </dgm:styleLbl>
+  <dgm:styleLbl name="fgAcc4">
+    <dgm:scene3d>
+      <a:camera prst="orthographicFront"/>
+      <a:lightRig rig="threePt" dir="t"/>
+    </dgm:scene3d>
+    <dgm:sp3d/>
+    <dgm:txPr/>
+    <dgm:style>
+      <a:lnRef idx="2">
+        <a:scrgbClr r="0" g="0" b="0"/>
+      </a:lnRef>
+      <a:fillRef idx="1">
+        <a:scrgbClr r="0" g="0" b="0"/>
+      </a:fillRef>
+      <a:effectRef idx="0">
+        <a:scrgbClr r="0" g="0" b="0"/>
+      </a:effectRef>
+      <a:fontRef idx="minor"/>
+    </dgm:style>
+  </dgm:styleLbl>
+  <dgm:styleLbl name="bgShp">
+    <dgm:scene3d>
+      <a:camera prst="orthographicFront"/>
+      <a:lightRig rig="threePt" dir="t"/>
+    </dgm:scene3d>
+    <dgm:sp3d/>
+    <dgm:txPr/>
+    <dgm:style>
+      <a:lnRef idx="0">
+        <a:scrgbClr r="0" g="0" b="0"/>
+      </a:lnRef>
+      <a:fillRef idx="1">
+        <a:scrgbClr r="0" g="0" b="0"/>
+      </a:fillRef>
+      <a:effectRef idx="0">
+        <a:scrgbClr r="0" g="0" b="0"/>
+      </a:effectRef>
+      <a:fontRef idx="minor"/>
+    </dgm:style>
+  </dgm:styleLbl>
+  <dgm:styleLbl name="dkBgShp">
+    <dgm:scene3d>
+      <a:camera prst="orthographicFront"/>
+      <a:lightRig rig="threePt" dir="t"/>
+    </dgm:scene3d>
+    <dgm:sp3d/>
+    <dgm:txPr/>
+    <dgm:style>
+      <a:lnRef idx="0">
+        <a:scrgbClr r="0" g="0" b="0"/>
+      </a:lnRef>
+      <a:fillRef idx="1">
+        <a:scrgbClr r="0" g="0" b="0"/>
+      </a:fillRef>
+      <a:effectRef idx="0">
+        <a:scrgbClr r="0" g="0" b="0"/>
+      </a:effectRef>
+      <a:fontRef idx="minor"/>
+    </dgm:style>
+  </dgm:styleLbl>
+  <dgm:styleLbl name="trBgShp">
+    <dgm:scene3d>
+      <a:camera prst="orthographicFront"/>
+      <a:lightRig rig="threePt" dir="t"/>
+    </dgm:scene3d>
+    <dgm:sp3d/>
+    <dgm:txPr/>
+    <dgm:style>
+      <a:lnRef idx="0">
+        <a:scrgbClr r="0" g="0" b="0"/>
+      </a:lnRef>
+      <a:fillRef idx="1">
+        <a:scrgbClr r="0" g="0" b="0"/>
+      </a:fillRef>
+      <a:effectRef idx="0">
+        <a:scrgbClr r="0" g="0" b="0"/>
+      </a:effectRef>
+      <a:fontRef idx="minor"/>
+    </dgm:style>
+  </dgm:styleLbl>
+  <dgm:styleLbl name="fgShp">
+    <dgm:scene3d>
+      <a:camera prst="orthographicFront"/>
+      <a:lightRig rig="threePt" dir="t"/>
+    </dgm:scene3d>
+    <dgm:sp3d/>
+    <dgm:txPr/>
+    <dgm:style>
+      <a:lnRef idx="2">
+        <a:scrgbClr r="0" g="0" b="0"/>
+      </a:lnRef>
+      <a:fillRef idx="1">
+        <a:scrgbClr r="0" g="0" b="0"/>
+      </a:fillRef>
+      <a:effectRef idx="0">
+        <a:scrgbClr r="0" g="0" b="0"/>
+      </a:effectRef>
+      <a:fontRef idx="minor"/>
+    </dgm:style>
+  </dgm:styleLbl>
+  <dgm:styleLbl name="revTx">
+    <dgm:scene3d>
+      <a:camera prst="orthographicFront"/>
+      <a:lightRig rig="threePt" dir="t"/>
+    </dgm:scene3d>
+    <dgm:sp3d/>
+    <dgm:txPr/>
+    <dgm:style>
+      <a:lnRef idx="0">
+        <a:scrgbClr r="0" g="0" b="0"/>
+      </a:lnRef>
+      <a:fillRef idx="0">
+        <a:scrgbClr r="0" g="0" b="0"/>
+      </a:fillRef>
+      <a:effectRef idx="0">
+        <a:scrgbClr r="0" g="0" b="0"/>
+      </a:effectRef>
+      <a:fontRef idx="minor"/>
+    </dgm:style>
+  </dgm:styleLbl>
+</dgm:styleDef>
 </file>
 
 <file path=ppt/notesMasters/notesMaster1.xml><?xml version="1.0" encoding="utf-8"?>
@@ -262,35 +3155,35 @@
           <a:p>
             <a:pPr lvl="0"/>
             <a:r>
-              <a:rPr lang="en-US" smtClean="0"/>
+              <a:rPr lang="en-US"/>
               <a:t>Edit Master text styles</a:t>
             </a:r>
           </a:p>
           <a:p>
             <a:pPr lvl="1"/>
             <a:r>
-              <a:rPr lang="en-US" smtClean="0"/>
+              <a:rPr lang="en-US"/>
               <a:t>Second level</a:t>
             </a:r>
           </a:p>
           <a:p>
             <a:pPr lvl="2"/>
             <a:r>
-              <a:rPr lang="en-US" smtClean="0"/>
+              <a:rPr lang="en-US"/>
               <a:t>Third level</a:t>
             </a:r>
           </a:p>
           <a:p>
             <a:pPr lvl="3"/>
             <a:r>
-              <a:rPr lang="en-US" smtClean="0"/>
+              <a:rPr lang="en-US"/>
               <a:t>Fourth level</a:t>
             </a:r>
           </a:p>
           <a:p>
             <a:pPr lvl="4"/>
             <a:r>
-              <a:rPr lang="en-US" smtClean="0"/>
+              <a:rPr lang="en-US"/>
               <a:t>Fifth level</a:t>
             </a:r>
             <a:endParaRPr lang="en-NZ"/>
@@ -508,7 +3401,7 @@
           </a:lstStyle>
           <a:p>
             <a:r>
-              <a:rPr lang="en-US" smtClean="0"/>
+              <a:rPr lang="en-US"/>
               <a:t>Click to edit Master title style</a:t>
             </a:r>
             <a:endParaRPr lang="en-NZ"/>
@@ -573,7 +3466,7 @@
           </a:lstStyle>
           <a:p>
             <a:r>
-              <a:rPr lang="en-US" smtClean="0"/>
+              <a:rPr lang="en-US"/>
               <a:t>Click to edit Master subtitle style</a:t>
             </a:r>
             <a:endParaRPr lang="en-NZ"/>
@@ -691,7 +3584,7 @@
           <a:lstStyle/>
           <a:p>
             <a:r>
-              <a:rPr lang="en-US" smtClean="0"/>
+              <a:rPr lang="en-US"/>
               <a:t>Click to edit Master title style</a:t>
             </a:r>
             <a:endParaRPr lang="en-NZ"/>
@@ -715,35 +3608,35 @@
           <a:p>
             <a:pPr lvl="0"/>
             <a:r>
-              <a:rPr lang="en-US" smtClean="0"/>
+              <a:rPr lang="en-US"/>
               <a:t>Edit Master text styles</a:t>
             </a:r>
           </a:p>
           <a:p>
             <a:pPr lvl="1"/>
             <a:r>
-              <a:rPr lang="en-US" smtClean="0"/>
+              <a:rPr lang="en-US"/>
               <a:t>Second level</a:t>
             </a:r>
           </a:p>
           <a:p>
             <a:pPr lvl="2"/>
             <a:r>
-              <a:rPr lang="en-US" smtClean="0"/>
+              <a:rPr lang="en-US"/>
               <a:t>Third level</a:t>
             </a:r>
           </a:p>
           <a:p>
             <a:pPr lvl="3"/>
             <a:r>
-              <a:rPr lang="en-US" smtClean="0"/>
+              <a:rPr lang="en-US"/>
               <a:t>Fourth level</a:t>
             </a:r>
           </a:p>
           <a:p>
             <a:pPr lvl="4"/>
             <a:r>
-              <a:rPr lang="en-US" smtClean="0"/>
+              <a:rPr lang="en-US"/>
               <a:t>Fifth level</a:t>
             </a:r>
             <a:endParaRPr lang="en-NZ"/>
@@ -866,7 +3759,7 @@
           <a:lstStyle/>
           <a:p>
             <a:r>
-              <a:rPr lang="en-US" smtClean="0"/>
+              <a:rPr lang="en-US"/>
               <a:t>Click to edit Master title style</a:t>
             </a:r>
             <a:endParaRPr lang="en-NZ"/>
@@ -895,35 +3788,35 @@
           <a:p>
             <a:pPr lvl="0"/>
             <a:r>
-              <a:rPr lang="en-US" smtClean="0"/>
+              <a:rPr lang="en-US"/>
               <a:t>Edit Master text styles</a:t>
             </a:r>
           </a:p>
           <a:p>
             <a:pPr lvl="1"/>
             <a:r>
-              <a:rPr lang="en-US" smtClean="0"/>
+              <a:rPr lang="en-US"/>
               <a:t>Second level</a:t>
             </a:r>
           </a:p>
           <a:p>
             <a:pPr lvl="2"/>
             <a:r>
-              <a:rPr lang="en-US" smtClean="0"/>
+              <a:rPr lang="en-US"/>
               <a:t>Third level</a:t>
             </a:r>
           </a:p>
           <a:p>
             <a:pPr lvl="3"/>
             <a:r>
-              <a:rPr lang="en-US" smtClean="0"/>
+              <a:rPr lang="en-US"/>
               <a:t>Fourth level</a:t>
             </a:r>
           </a:p>
           <a:p>
             <a:pPr lvl="4"/>
             <a:r>
-              <a:rPr lang="en-US" smtClean="0"/>
+              <a:rPr lang="en-US"/>
               <a:t>Fifth level</a:t>
             </a:r>
             <a:endParaRPr lang="en-NZ"/>
@@ -1041,7 +3934,7 @@
           <a:lstStyle/>
           <a:p>
             <a:r>
-              <a:rPr lang="en-US" smtClean="0"/>
+              <a:rPr lang="en-US"/>
               <a:t>Click to edit Master title style</a:t>
             </a:r>
             <a:endParaRPr lang="en-NZ"/>
@@ -1065,35 +3958,35 @@
           <a:p>
             <a:pPr lvl="0"/>
             <a:r>
-              <a:rPr lang="en-US" smtClean="0"/>
+              <a:rPr lang="en-US"/>
               <a:t>Edit Master text styles</a:t>
             </a:r>
           </a:p>
           <a:p>
             <a:pPr lvl="1"/>
             <a:r>
-              <a:rPr lang="en-US" smtClean="0"/>
+              <a:rPr lang="en-US"/>
               <a:t>Second level</a:t>
             </a:r>
           </a:p>
           <a:p>
             <a:pPr lvl="2"/>
             <a:r>
-              <a:rPr lang="en-US" smtClean="0"/>
+              <a:rPr lang="en-US"/>
               <a:t>Third level</a:t>
             </a:r>
           </a:p>
           <a:p>
             <a:pPr lvl="3"/>
             <a:r>
-              <a:rPr lang="en-US" smtClean="0"/>
+              <a:rPr lang="en-US"/>
               <a:t>Fourth level</a:t>
             </a:r>
           </a:p>
           <a:p>
             <a:pPr lvl="4"/>
             <a:r>
-              <a:rPr lang="en-US" smtClean="0"/>
+              <a:rPr lang="en-US"/>
               <a:t>Fifth level</a:t>
             </a:r>
             <a:endParaRPr lang="en-NZ"/>
@@ -1220,7 +4113,7 @@
           </a:lstStyle>
           <a:p>
             <a:r>
-              <a:rPr lang="en-US" smtClean="0"/>
+              <a:rPr lang="en-US"/>
               <a:t>Click to edit Master title style</a:t>
             </a:r>
             <a:endParaRPr lang="en-NZ"/>
@@ -1340,7 +4233,7 @@
           <a:p>
             <a:pPr lvl="0"/>
             <a:r>
-              <a:rPr lang="en-US" smtClean="0"/>
+              <a:rPr lang="en-US"/>
               <a:t>Edit Master text styles</a:t>
             </a:r>
           </a:p>
@@ -1457,7 +4350,7 @@
           <a:lstStyle/>
           <a:p>
             <a:r>
-              <a:rPr lang="en-US" smtClean="0"/>
+              <a:rPr lang="en-US"/>
               <a:t>Click to edit Master title style</a:t>
             </a:r>
             <a:endParaRPr lang="en-NZ"/>
@@ -1486,35 +4379,35 @@
           <a:p>
             <a:pPr lvl="0"/>
             <a:r>
-              <a:rPr lang="en-US" smtClean="0"/>
+              <a:rPr lang="en-US"/>
               <a:t>Edit Master text styles</a:t>
             </a:r>
           </a:p>
           <a:p>
             <a:pPr lvl="1"/>
             <a:r>
-              <a:rPr lang="en-US" smtClean="0"/>
+              <a:rPr lang="en-US"/>
               <a:t>Second level</a:t>
             </a:r>
           </a:p>
           <a:p>
             <a:pPr lvl="2"/>
             <a:r>
-              <a:rPr lang="en-US" smtClean="0"/>
+              <a:rPr lang="en-US"/>
               <a:t>Third level</a:t>
             </a:r>
           </a:p>
           <a:p>
             <a:pPr lvl="3"/>
             <a:r>
-              <a:rPr lang="en-US" smtClean="0"/>
+              <a:rPr lang="en-US"/>
               <a:t>Fourth level</a:t>
             </a:r>
           </a:p>
           <a:p>
             <a:pPr lvl="4"/>
             <a:r>
-              <a:rPr lang="en-US" smtClean="0"/>
+              <a:rPr lang="en-US"/>
               <a:t>Fifth level</a:t>
             </a:r>
             <a:endParaRPr lang="en-NZ"/>
@@ -1543,35 +4436,35 @@
           <a:p>
             <a:pPr lvl="0"/>
             <a:r>
-              <a:rPr lang="en-US" smtClean="0"/>
+              <a:rPr lang="en-US"/>
               <a:t>Edit Master text styles</a:t>
             </a:r>
           </a:p>
           <a:p>
             <a:pPr lvl="1"/>
             <a:r>
-              <a:rPr lang="en-US" smtClean="0"/>
+              <a:rPr lang="en-US"/>
               <a:t>Second level</a:t>
             </a:r>
           </a:p>
           <a:p>
             <a:pPr lvl="2"/>
             <a:r>
-              <a:rPr lang="en-US" smtClean="0"/>
+              <a:rPr lang="en-US"/>
               <a:t>Third level</a:t>
             </a:r>
           </a:p>
           <a:p>
             <a:pPr lvl="3"/>
             <a:r>
-              <a:rPr lang="en-US" smtClean="0"/>
+              <a:rPr lang="en-US"/>
               <a:t>Fourth level</a:t>
             </a:r>
           </a:p>
           <a:p>
             <a:pPr lvl="4"/>
             <a:r>
-              <a:rPr lang="en-US" smtClean="0"/>
+              <a:rPr lang="en-US"/>
               <a:t>Fifth level</a:t>
             </a:r>
             <a:endParaRPr lang="en-NZ"/>
@@ -1694,7 +4587,7 @@
           <a:lstStyle/>
           <a:p>
             <a:r>
-              <a:rPr lang="en-US" smtClean="0"/>
+              <a:rPr lang="en-US"/>
               <a:t>Click to edit Master title style</a:t>
             </a:r>
             <a:endParaRPr lang="en-NZ"/>
@@ -1760,7 +4653,7 @@
           <a:p>
             <a:pPr lvl="0"/>
             <a:r>
-              <a:rPr lang="en-US" smtClean="0"/>
+              <a:rPr lang="en-US"/>
               <a:t>Edit Master text styles</a:t>
             </a:r>
           </a:p>
@@ -1788,35 +4681,35 @@
           <a:p>
             <a:pPr lvl="0"/>
             <a:r>
-              <a:rPr lang="en-US" smtClean="0"/>
+              <a:rPr lang="en-US"/>
               <a:t>Edit Master text styles</a:t>
             </a:r>
           </a:p>
           <a:p>
             <a:pPr lvl="1"/>
             <a:r>
-              <a:rPr lang="en-US" smtClean="0"/>
+              <a:rPr lang="en-US"/>
               <a:t>Second level</a:t>
             </a:r>
           </a:p>
           <a:p>
             <a:pPr lvl="2"/>
             <a:r>
-              <a:rPr lang="en-US" smtClean="0"/>
+              <a:rPr lang="en-US"/>
               <a:t>Third level</a:t>
             </a:r>
           </a:p>
           <a:p>
             <a:pPr lvl="3"/>
             <a:r>
-              <a:rPr lang="en-US" smtClean="0"/>
+              <a:rPr lang="en-US"/>
               <a:t>Fourth level</a:t>
             </a:r>
           </a:p>
           <a:p>
             <a:pPr lvl="4"/>
             <a:r>
-              <a:rPr lang="en-US" smtClean="0"/>
+              <a:rPr lang="en-US"/>
               <a:t>Fifth level</a:t>
             </a:r>
             <a:endParaRPr lang="en-NZ"/>
@@ -1882,7 +4775,7 @@
           <a:p>
             <a:pPr lvl="0"/>
             <a:r>
-              <a:rPr lang="en-US" smtClean="0"/>
+              <a:rPr lang="en-US"/>
               <a:t>Edit Master text styles</a:t>
             </a:r>
           </a:p>
@@ -1910,35 +4803,35 @@
           <a:p>
             <a:pPr lvl="0"/>
             <a:r>
-              <a:rPr lang="en-US" smtClean="0"/>
+              <a:rPr lang="en-US"/>
               <a:t>Edit Master text styles</a:t>
             </a:r>
           </a:p>
           <a:p>
             <a:pPr lvl="1"/>
             <a:r>
-              <a:rPr lang="en-US" smtClean="0"/>
+              <a:rPr lang="en-US"/>
               <a:t>Second level</a:t>
             </a:r>
           </a:p>
           <a:p>
             <a:pPr lvl="2"/>
             <a:r>
-              <a:rPr lang="en-US" smtClean="0"/>
+              <a:rPr lang="en-US"/>
               <a:t>Third level</a:t>
             </a:r>
           </a:p>
           <a:p>
             <a:pPr lvl="3"/>
             <a:r>
-              <a:rPr lang="en-US" smtClean="0"/>
+              <a:rPr lang="en-US"/>
               <a:t>Fourth level</a:t>
             </a:r>
           </a:p>
           <a:p>
             <a:pPr lvl="4"/>
             <a:r>
-              <a:rPr lang="en-US" smtClean="0"/>
+              <a:rPr lang="en-US"/>
               <a:t>Fifth level</a:t>
             </a:r>
             <a:endParaRPr lang="en-NZ"/>
@@ -2056,7 +4949,7 @@
           <a:lstStyle/>
           <a:p>
             <a:r>
-              <a:rPr lang="en-US" smtClean="0"/>
+              <a:rPr lang="en-US"/>
               <a:t>Click to edit Master title style</a:t>
             </a:r>
             <a:endParaRPr lang="en-NZ"/>
@@ -2278,7 +5171,7 @@
           </a:lstStyle>
           <a:p>
             <a:r>
-              <a:rPr lang="en-US" smtClean="0"/>
+              <a:rPr lang="en-US"/>
               <a:t>Click to edit Master title style</a:t>
             </a:r>
             <a:endParaRPr lang="en-NZ"/>
@@ -2335,35 +5228,35 @@
           <a:p>
             <a:pPr lvl="0"/>
             <a:r>
-              <a:rPr lang="en-US" smtClean="0"/>
+              <a:rPr lang="en-US"/>
               <a:t>Edit Master text styles</a:t>
             </a:r>
           </a:p>
           <a:p>
             <a:pPr lvl="1"/>
             <a:r>
-              <a:rPr lang="en-US" smtClean="0"/>
+              <a:rPr lang="en-US"/>
               <a:t>Second level</a:t>
             </a:r>
           </a:p>
           <a:p>
             <a:pPr lvl="2"/>
             <a:r>
-              <a:rPr lang="en-US" smtClean="0"/>
+              <a:rPr lang="en-US"/>
               <a:t>Third level</a:t>
             </a:r>
           </a:p>
           <a:p>
             <a:pPr lvl="3"/>
             <a:r>
-              <a:rPr lang="en-US" smtClean="0"/>
+              <a:rPr lang="en-US"/>
               <a:t>Fourth level</a:t>
             </a:r>
           </a:p>
           <a:p>
             <a:pPr lvl="4"/>
             <a:r>
-              <a:rPr lang="en-US" smtClean="0"/>
+              <a:rPr lang="en-US"/>
               <a:t>Fifth level</a:t>
             </a:r>
             <a:endParaRPr lang="en-NZ"/>
@@ -2429,7 +5322,7 @@
           <a:p>
             <a:pPr lvl="0"/>
             <a:r>
-              <a:rPr lang="en-US" smtClean="0"/>
+              <a:rPr lang="en-US"/>
               <a:t>Edit Master text styles</a:t>
             </a:r>
           </a:p>
@@ -2555,7 +5448,7 @@
           </a:lstStyle>
           <a:p>
             <a:r>
-              <a:rPr lang="en-US" smtClean="0"/>
+              <a:rPr lang="en-US"/>
               <a:t>Click to edit Master title style</a:t>
             </a:r>
             <a:endParaRPr lang="en-NZ"/>
@@ -2682,7 +5575,7 @@
           <a:p>
             <a:pPr lvl="0"/>
             <a:r>
-              <a:rPr lang="en-US" smtClean="0"/>
+              <a:rPr lang="en-US"/>
               <a:t>Edit Master text styles</a:t>
             </a:r>
           </a:p>
@@ -2814,7 +5707,7 @@
           <a:lstStyle/>
           <a:p>
             <a:r>
-              <a:rPr lang="en-US" smtClean="0"/>
+              <a:rPr lang="en-US"/>
               <a:t>Click to edit Master title style</a:t>
             </a:r>
             <a:endParaRPr lang="en-NZ"/>
@@ -2848,35 +5741,35 @@
           <a:p>
             <a:pPr lvl="0"/>
             <a:r>
-              <a:rPr lang="en-US" smtClean="0"/>
+              <a:rPr lang="en-US"/>
               <a:t>Edit Master text styles</a:t>
             </a:r>
           </a:p>
           <a:p>
             <a:pPr lvl="1"/>
             <a:r>
-              <a:rPr lang="en-US" smtClean="0"/>
+              <a:rPr lang="en-US"/>
               <a:t>Second level</a:t>
             </a:r>
           </a:p>
           <a:p>
             <a:pPr lvl="2"/>
             <a:r>
-              <a:rPr lang="en-US" smtClean="0"/>
+              <a:rPr lang="en-US"/>
               <a:t>Third level</a:t>
             </a:r>
           </a:p>
           <a:p>
             <a:pPr lvl="3"/>
             <a:r>
-              <a:rPr lang="en-US" smtClean="0"/>
+              <a:rPr lang="en-US"/>
               <a:t>Fourth level</a:t>
             </a:r>
           </a:p>
           <a:p>
             <a:pPr lvl="4"/>
             <a:r>
-              <a:rPr lang="en-US" smtClean="0"/>
+              <a:rPr lang="en-US"/>
               <a:t>Fifth level</a:t>
             </a:r>
             <a:endParaRPr lang="en-NZ"/>
@@ -3363,13 +6256,6 @@
   <p:clrMapOvr>
     <a:masterClrMapping/>
   </p:clrMapOvr>
-  <p:timing>
-    <p:tnLst>
-      <p:par>
-        <p:cTn id="1" dur="indefinite" restart="never" nodeType="tmRoot"/>
-      </p:par>
-    </p:tnLst>
-  </p:timing>
 </p:sld>
 </file>
 
@@ -3438,7 +6324,7 @@
           <a:p>
             <a:pPr algn="ctr"/>
             <a:r>
-              <a:rPr lang="en-US" sz="5400" b="0" cap="none" spc="0" dirty="0" smtClean="0">
+              <a:rPr lang="en-US" sz="5400" b="0" cap="none" spc="0" dirty="0">
                 <a:ln w="0"/>
                 <a:solidFill>
                   <a:schemeClr val="accent1"/>
@@ -3453,19 +6339,6 @@
               </a:rPr>
               <a:t>Problem</a:t>
             </a:r>
-            <a:endParaRPr lang="en-US" sz="5400" b="0" cap="none" spc="0" dirty="0">
-              <a:ln w="0"/>
-              <a:solidFill>
-                <a:schemeClr val="accent1"/>
-              </a:solidFill>
-              <a:effectLst>
-                <a:outerShdw blurRad="38100" dist="25400" dir="5400000" algn="ctr" rotWithShape="0">
-                  <a:srgbClr val="6E747A">
-                    <a:alpha val="43000"/>
-                  </a:srgbClr>
-                </a:outerShdw>
-              </a:effectLst>
-            </a:endParaRPr>
           </a:p>
         </p:txBody>
       </p:sp>
@@ -3682,10 +6555,9 @@
           <a:lstStyle/>
           <a:p>
             <a:r>
-              <a:rPr lang="en-NZ" dirty="0" smtClean="0"/>
+              <a:rPr lang="en-NZ" dirty="0"/>
               <a:t>https://www.thenewshouse.com/life-and-style/how-covid-19-has-changed-student-spending-habits/</a:t>
             </a:r>
-            <a:endParaRPr lang="en-NZ" dirty="0"/>
           </a:p>
         </p:txBody>
       </p:sp>
@@ -3699,13 +6571,6 @@
   <p:clrMapOvr>
     <a:masterClrMapping/>
   </p:clrMapOvr>
-  <p:timing>
-    <p:tnLst>
-      <p:par>
-        <p:cTn id="1" dur="indefinite" restart="never" nodeType="tmRoot"/>
-      </p:par>
-    </p:tnLst>
-  </p:timing>
 </p:sld>
 </file>
 
@@ -3748,10 +6613,9 @@
           <a:lstStyle/>
           <a:p>
             <a:r>
-              <a:rPr lang="en-NZ" dirty="0" smtClean="0"/>
+              <a:rPr lang="en-NZ" dirty="0"/>
               <a:t>https://theconversation.com/why-community-college-students-quit-despite-being-almost-finished-175420</a:t>
             </a:r>
-            <a:endParaRPr lang="en-NZ" dirty="0"/>
           </a:p>
         </p:txBody>
       </p:sp>
@@ -3779,7 +6643,7 @@
           <a:p>
             <a:pPr algn="ctr"/>
             <a:r>
-              <a:rPr lang="en-US" sz="5400" b="0" cap="none" spc="0" dirty="0" smtClean="0">
+              <a:rPr lang="en-US" sz="5400" b="0" cap="none" spc="0" dirty="0">
                 <a:ln w="0"/>
                 <a:solidFill>
                   <a:schemeClr val="accent1"/>
@@ -3794,19 +6658,6 @@
               </a:rPr>
               <a:t>Problem</a:t>
             </a:r>
-            <a:endParaRPr lang="en-US" sz="5400" b="0" cap="none" spc="0" dirty="0">
-              <a:ln w="0"/>
-              <a:solidFill>
-                <a:schemeClr val="accent1"/>
-              </a:solidFill>
-              <a:effectLst>
-                <a:outerShdw blurRad="38100" dist="25400" dir="5400000" algn="ctr" rotWithShape="0">
-                  <a:srgbClr val="6E747A">
-                    <a:alpha val="43000"/>
-                  </a:srgbClr>
-                </a:outerShdw>
-              </a:effectLst>
-            </a:endParaRPr>
           </a:p>
         </p:txBody>
       </p:sp>
@@ -3880,10 +6731,9 @@
           <a:lstStyle/>
           <a:p>
             <a:r>
-              <a:rPr lang="en-NZ" dirty="0" smtClean="0"/>
+              <a:rPr lang="en-NZ" dirty="0"/>
               <a:t>https://admissionsly.com/college-student-spending-statistics/</a:t>
             </a:r>
-            <a:endParaRPr lang="en-NZ" dirty="0"/>
           </a:p>
         </p:txBody>
       </p:sp>
@@ -3989,7 +6839,7 @@
           <a:p>
             <a:pPr algn="ctr"/>
             <a:r>
-              <a:rPr lang="en-US" sz="5400" b="0" cap="none" spc="0" dirty="0" smtClean="0">
+              <a:rPr lang="en-US" sz="5400" b="0" cap="none" spc="0" dirty="0">
                 <a:ln w="0"/>
                 <a:solidFill>
                   <a:schemeClr val="accent1"/>
@@ -4061,7 +6911,7 @@
           <a:p>
             <a:pPr algn="ctr"/>
             <a:r>
-              <a:rPr lang="en-US" sz="5400" b="0" cap="none" spc="0" dirty="0" smtClean="0">
+              <a:rPr lang="en-US" sz="5400" b="0" cap="none" spc="0" dirty="0">
                 <a:ln w="0"/>
                 <a:solidFill>
                   <a:schemeClr val="tx1"/>
@@ -4076,19 +6926,6 @@
               </a:rPr>
               <a:t>Transaction Recorder</a:t>
             </a:r>
-            <a:endParaRPr lang="en-US" sz="5400" b="0" cap="none" spc="0" dirty="0">
-              <a:ln w="0"/>
-              <a:solidFill>
-                <a:schemeClr val="tx1"/>
-              </a:solidFill>
-              <a:effectLst>
-                <a:outerShdw blurRad="38100" dist="19050" dir="2700000" algn="tl" rotWithShape="0">
-                  <a:schemeClr val="dk1">
-                    <a:alpha val="40000"/>
-                  </a:schemeClr>
-                </a:outerShdw>
-              </a:effectLst>
-            </a:endParaRPr>
           </a:p>
         </p:txBody>
       </p:sp>
@@ -4176,7 +7013,7 @@
           <a:p>
             <a:pPr algn="ctr"/>
             <a:r>
-              <a:rPr lang="en-US" sz="5400" b="1" cap="none" spc="0" dirty="0" smtClean="0">
+              <a:rPr lang="en-US" sz="5400" b="1" cap="none" spc="0" dirty="0">
                 <a:ln w="22225">
                   <a:solidFill>
                     <a:schemeClr val="accent2"/>
@@ -4193,21 +7030,6 @@
               </a:rPr>
               <a:t>vs</a:t>
             </a:r>
-            <a:endParaRPr lang="en-US" sz="5400" b="1" cap="none" spc="0" dirty="0">
-              <a:ln w="22225">
-                <a:solidFill>
-                  <a:schemeClr val="accent2"/>
-                </a:solidFill>
-                <a:prstDash val="solid"/>
-              </a:ln>
-              <a:solidFill>
-                <a:schemeClr val="accent2">
-                  <a:lumMod val="40000"/>
-                  <a:lumOff val="60000"/>
-                </a:schemeClr>
-              </a:solidFill>
-              <a:effectLst/>
-            </a:endParaRPr>
           </a:p>
         </p:txBody>
       </p:sp>
@@ -4325,7 +7147,7 @@
           <a:p>
             <a:pPr algn="ctr"/>
             <a:r>
-              <a:rPr lang="en-US" sz="5400" b="0" cap="none" spc="0" dirty="0" smtClean="0">
+              <a:rPr lang="en-US" sz="5400" b="0" cap="none" spc="0" dirty="0">
                 <a:ln w="0"/>
                 <a:solidFill>
                   <a:schemeClr val="accent1"/>
@@ -4367,7 +7189,7 @@
           <a:p>
             <a:pPr algn="ctr"/>
             <a:r>
-              <a:rPr lang="en-US" sz="5400" b="0" cap="none" spc="0" dirty="0" smtClean="0">
+              <a:rPr lang="en-US" sz="5400" b="0" cap="none" spc="0" dirty="0">
                 <a:ln w="0"/>
                 <a:solidFill>
                   <a:schemeClr val="tx1"/>
@@ -4382,19 +7204,6 @@
               </a:rPr>
               <a:t>Financial Planer</a:t>
             </a:r>
-            <a:endParaRPr lang="en-US" sz="5400" b="0" cap="none" spc="0" dirty="0">
-              <a:ln w="0"/>
-              <a:solidFill>
-                <a:schemeClr val="tx1"/>
-              </a:solidFill>
-              <a:effectLst>
-                <a:outerShdw blurRad="38100" dist="19050" dir="2700000" algn="tl" rotWithShape="0">
-                  <a:schemeClr val="dk1">
-                    <a:alpha val="40000"/>
-                  </a:schemeClr>
-                </a:outerShdw>
-              </a:effectLst>
-            </a:endParaRPr>
           </a:p>
         </p:txBody>
       </p:sp>
@@ -4482,7 +7291,7 @@
           <a:p>
             <a:pPr algn="ctr"/>
             <a:r>
-              <a:rPr lang="en-US" sz="5400" dirty="0" smtClean="0">
+              <a:rPr lang="en-US" sz="5400" dirty="0">
                 <a:ln w="0"/>
                 <a:solidFill>
                   <a:schemeClr val="accent1"/>
@@ -4513,272 +7322,28 @@
           </a:p>
         </p:txBody>
       </p:sp>
-      <p:sp>
-        <p:nvSpPr>
-          <p:cNvPr id="3" name="Rectangle 2"/>
-          <p:cNvSpPr/>
-          <p:nvPr/>
-        </p:nvSpPr>
-        <p:spPr>
-          <a:xfrm>
-            <a:off x="528597" y="1083944"/>
-            <a:ext cx="1281120" cy="923330"/>
-          </a:xfrm>
-          <a:prstGeom prst="rect">
-            <a:avLst/>
-          </a:prstGeom>
-          <a:noFill/>
-        </p:spPr>
-        <p:txBody>
-          <a:bodyPr wrap="none" lIns="91440" tIns="45720" rIns="91440" bIns="45720">
-            <a:spAutoFit/>
-          </a:bodyPr>
-          <a:lstStyle/>
-          <a:p>
-            <a:pPr algn="ctr"/>
-            <a:r>
-              <a:rPr lang="en-US" sz="5400" b="0" cap="none" spc="0" dirty="0" smtClean="0">
-                <a:ln w="0"/>
-                <a:solidFill>
-                  <a:schemeClr val="tx1"/>
-                </a:solidFill>
-                <a:effectLst>
-                  <a:outerShdw blurRad="38100" dist="19050" dir="2700000" algn="tl" rotWithShape="0">
-                    <a:schemeClr val="dk1">
-                      <a:alpha val="40000"/>
-                    </a:schemeClr>
-                  </a:outerShdw>
-                </a:effectLst>
-              </a:rPr>
-              <a:t>B2C</a:t>
-            </a:r>
-            <a:endParaRPr lang="en-US" sz="5400" b="0" cap="none" spc="0" dirty="0">
-              <a:ln w="0"/>
-              <a:solidFill>
-                <a:schemeClr val="tx1"/>
-              </a:solidFill>
-              <a:effectLst>
-                <a:outerShdw blurRad="38100" dist="19050" dir="2700000" algn="tl" rotWithShape="0">
-                  <a:schemeClr val="dk1">
-                    <a:alpha val="40000"/>
-                  </a:schemeClr>
-                </a:outerShdw>
-              </a:effectLst>
-            </a:endParaRPr>
-          </a:p>
-        </p:txBody>
-      </p:sp>
-      <p:sp>
-        <p:nvSpPr>
-          <p:cNvPr id="6" name="Rectangle 5"/>
-          <p:cNvSpPr/>
-          <p:nvPr/>
-        </p:nvSpPr>
-        <p:spPr>
-          <a:xfrm>
-            <a:off x="5180751" y="923330"/>
-            <a:ext cx="1289135" cy="923330"/>
-          </a:xfrm>
-          <a:prstGeom prst="rect">
-            <a:avLst/>
-          </a:prstGeom>
-          <a:noFill/>
-        </p:spPr>
-        <p:txBody>
-          <a:bodyPr wrap="none" lIns="91440" tIns="45720" rIns="91440" bIns="45720">
-            <a:spAutoFit/>
-          </a:bodyPr>
-          <a:lstStyle/>
-          <a:p>
-            <a:pPr algn="ctr"/>
-            <a:r>
-              <a:rPr lang="en-US" sz="5400" b="0" cap="none" spc="0" dirty="0" smtClean="0">
-                <a:ln w="0"/>
-                <a:solidFill>
-                  <a:schemeClr val="tx1"/>
-                </a:solidFill>
-                <a:effectLst>
-                  <a:outerShdw blurRad="38100" dist="19050" dir="2700000" algn="tl" rotWithShape="0">
-                    <a:schemeClr val="dk1">
-                      <a:alpha val="40000"/>
-                    </a:schemeClr>
-                  </a:outerShdw>
-                </a:effectLst>
-              </a:rPr>
-              <a:t>B2B</a:t>
-            </a:r>
-            <a:endParaRPr lang="en-US" sz="5400" b="0" cap="none" spc="0" dirty="0">
-              <a:ln w="0"/>
-              <a:solidFill>
-                <a:schemeClr val="tx1"/>
-              </a:solidFill>
-              <a:effectLst>
-                <a:outerShdw blurRad="38100" dist="19050" dir="2700000" algn="tl" rotWithShape="0">
-                  <a:schemeClr val="dk1">
-                    <a:alpha val="40000"/>
-                  </a:schemeClr>
-                </a:outerShdw>
-              </a:effectLst>
-            </a:endParaRPr>
-          </a:p>
-        </p:txBody>
-      </p:sp>
-      <p:sp>
-        <p:nvSpPr>
-          <p:cNvPr id="7" name="Rectangle 6"/>
-          <p:cNvSpPr/>
-          <p:nvPr/>
-        </p:nvSpPr>
-        <p:spPr>
-          <a:xfrm>
-            <a:off x="10104835" y="923330"/>
-            <a:ext cx="2008883" cy="923330"/>
-          </a:xfrm>
-          <a:prstGeom prst="rect">
-            <a:avLst/>
-          </a:prstGeom>
-          <a:noFill/>
-        </p:spPr>
-        <p:txBody>
-          <a:bodyPr wrap="none" lIns="91440" tIns="45720" rIns="91440" bIns="45720">
-            <a:spAutoFit/>
-          </a:bodyPr>
-          <a:lstStyle/>
-          <a:p>
-            <a:pPr algn="ctr"/>
-            <a:r>
-              <a:rPr lang="en-US" sz="5400" b="0" cap="none" spc="0" dirty="0" smtClean="0">
-                <a:ln w="0"/>
-                <a:solidFill>
-                  <a:schemeClr val="tx1"/>
-                </a:solidFill>
-                <a:effectLst>
-                  <a:outerShdw blurRad="38100" dist="19050" dir="2700000" algn="tl" rotWithShape="0">
-                    <a:schemeClr val="dk1">
-                      <a:alpha val="40000"/>
-                    </a:schemeClr>
-                  </a:outerShdw>
-                </a:effectLst>
-              </a:rPr>
-              <a:t>B2B2C</a:t>
-            </a:r>
-            <a:endParaRPr lang="en-US" sz="5400" b="0" cap="none" spc="0" dirty="0">
-              <a:ln w="0"/>
-              <a:solidFill>
-                <a:schemeClr val="tx1"/>
-              </a:solidFill>
-              <a:effectLst>
-                <a:outerShdw blurRad="38100" dist="19050" dir="2700000" algn="tl" rotWithShape="0">
-                  <a:schemeClr val="dk1">
-                    <a:alpha val="40000"/>
-                  </a:schemeClr>
-                </a:outerShdw>
-              </a:effectLst>
-            </a:endParaRPr>
-          </a:p>
-        </p:txBody>
-      </p:sp>
-      <p:sp>
-        <p:nvSpPr>
-          <p:cNvPr id="8" name="TextBox 7"/>
-          <p:cNvSpPr txBox="1"/>
-          <p:nvPr/>
-        </p:nvSpPr>
-        <p:spPr>
-          <a:xfrm>
-            <a:off x="150125" y="2142699"/>
-            <a:ext cx="2852382" cy="2585323"/>
-          </a:xfrm>
-          <a:prstGeom prst="rect">
-            <a:avLst/>
-          </a:prstGeom>
-          <a:noFill/>
-        </p:spPr>
-        <p:txBody>
-          <a:bodyPr wrap="square" rtlCol="0">
-            <a:spAutoFit/>
-          </a:bodyPr>
-          <a:lstStyle/>
-          <a:p>
-            <a:r>
-              <a:rPr lang="en-US" dirty="0" smtClean="0"/>
-              <a:t>Students within university – we charge a small fee for managing budget through bank</a:t>
-            </a:r>
-          </a:p>
-          <a:p>
-            <a:r>
-              <a:rPr lang="en-US" dirty="0" smtClean="0"/>
-              <a:t>Small fee to lock bank account when spending too much </a:t>
-            </a:r>
-          </a:p>
-          <a:p>
-            <a:r>
-              <a:rPr lang="en-US" dirty="0" smtClean="0"/>
-              <a:t>Small fee for successful financial planning goal</a:t>
-            </a:r>
-            <a:endParaRPr lang="en-NZ" dirty="0"/>
-          </a:p>
-        </p:txBody>
-      </p:sp>
-      <p:sp>
-        <p:nvSpPr>
-          <p:cNvPr id="9" name="TextBox 8"/>
-          <p:cNvSpPr txBox="1"/>
-          <p:nvPr/>
-        </p:nvSpPr>
-        <p:spPr>
-          <a:xfrm>
-            <a:off x="4301319" y="2142698"/>
-            <a:ext cx="2852382" cy="923330"/>
-          </a:xfrm>
-          <a:prstGeom prst="rect">
-            <a:avLst/>
-          </a:prstGeom>
-          <a:noFill/>
-        </p:spPr>
-        <p:txBody>
-          <a:bodyPr wrap="square" rtlCol="0">
-            <a:spAutoFit/>
-          </a:bodyPr>
-          <a:lstStyle/>
-          <a:p>
-            <a:r>
-              <a:rPr lang="en-US" dirty="0" smtClean="0"/>
-              <a:t>Service for small start up from student to help with financial </a:t>
-            </a:r>
-          </a:p>
-        </p:txBody>
-      </p:sp>
-      <p:sp>
-        <p:nvSpPr>
-          <p:cNvPr id="10" name="TextBox 9"/>
-          <p:cNvSpPr txBox="1"/>
-          <p:nvPr/>
-        </p:nvSpPr>
-        <p:spPr>
-          <a:xfrm>
-            <a:off x="9339618" y="2142699"/>
-            <a:ext cx="2852382" cy="923330"/>
-          </a:xfrm>
-          <a:prstGeom prst="rect">
-            <a:avLst/>
-          </a:prstGeom>
-          <a:noFill/>
-        </p:spPr>
-        <p:txBody>
-          <a:bodyPr wrap="square" rtlCol="0">
-            <a:spAutoFit/>
-          </a:bodyPr>
-          <a:lstStyle/>
-          <a:p>
-            <a:r>
-              <a:rPr lang="en-US" dirty="0" smtClean="0"/>
-              <a:t>Service for company to help with student advice, student services. </a:t>
-            </a:r>
-            <a:endParaRPr lang="en-NZ" dirty="0"/>
-          </a:p>
-        </p:txBody>
-      </p:sp>
+      <p:graphicFrame>
+        <p:nvGraphicFramePr>
+          <p:cNvPr id="4" name="Diagram 3"/>
+          <p:cNvGraphicFramePr/>
+          <p:nvPr>
+            <p:extLst>
+              <p:ext uri="{D42A27DB-BD31-4B8C-83A1-F6EECF244321}">
+                <p14:modId xmlns:p14="http://schemas.microsoft.com/office/powerpoint/2010/main" val="38714633"/>
+              </p:ext>
+            </p:extLst>
+          </p:nvPr>
+        </p:nvGraphicFramePr>
+        <p:xfrm>
+          <a:off x="508137" y="923330"/>
+          <a:ext cx="11257613" cy="4897130"/>
+        </p:xfrm>
+        <a:graphic>
+          <a:graphicData uri="http://schemas.openxmlformats.org/drawingml/2006/diagram">
+            <dgm:relIds xmlns:dgm="http://schemas.openxmlformats.org/drawingml/2006/diagram" xmlns:r="http://schemas.openxmlformats.org/officeDocument/2006/relationships" r:dm="rId2" r:lo="rId3" r:qs="rId4" r:cs="rId5"/>
+          </a:graphicData>
+        </a:graphic>
+      </p:graphicFrame>
     </p:spTree>
     <p:extLst>
       <p:ext uri="{BB962C8B-B14F-4D97-AF65-F5344CB8AC3E}">
@@ -4833,7 +7398,7 @@
           <a:p>
             <a:pPr algn="ctr"/>
             <a:r>
-              <a:rPr lang="en-US" sz="5400" dirty="0" smtClean="0">
+              <a:rPr lang="en-US" sz="5400" dirty="0">
                 <a:ln w="0"/>
                 <a:solidFill>
                   <a:schemeClr val="accent1"/>
@@ -4872,7 +7437,7 @@
         </p:nvSpPr>
         <p:spPr>
           <a:xfrm>
-            <a:off x="286603" y="1583140"/>
+            <a:off x="449407" y="1597152"/>
             <a:ext cx="3002507" cy="1760561"/>
           </a:xfrm>
           <a:prstGeom prst="rect">
@@ -4900,13 +7465,20 @@
           <a:lstStyle/>
           <a:p>
             <a:r>
-              <a:rPr lang="en-US" dirty="0" smtClean="0"/>
-              <a:t>Application with transaction viewer</a:t>
-            </a:r>
-          </a:p>
-          <a:p>
-            <a:r>
-              <a:rPr lang="en-US" dirty="0" smtClean="0"/>
+              <a:rPr lang="en-US" dirty="0"/>
+              <a:t>Application with </a:t>
+            </a:r>
+            <a:r>
+              <a:rPr lang="en-US"/>
+              <a:t>transaction viewer</a:t>
+            </a:r>
+          </a:p>
+          <a:p>
+            <a:endParaRPr lang="en-US" dirty="0"/>
+          </a:p>
+          <a:p>
+            <a:r>
+              <a:rPr lang="en-US" dirty="0"/>
               <a:t>Graphical of the money spending based on categories </a:t>
             </a:r>
             <a:endParaRPr lang="en-NZ" dirty="0"/>
@@ -4918,13 +7490,14 @@
           <p:cNvPr id="5" name="Straight Arrow Connector 4"/>
           <p:cNvCxnSpPr>
             <a:stCxn id="3" idx="3"/>
+            <a:endCxn id="6" idx="1"/>
           </p:cNvCxnSpPr>
           <p:nvPr/>
         </p:nvCxnSpPr>
         <p:spPr>
           <a:xfrm flipV="1">
-            <a:off x="3289110" y="2320119"/>
-            <a:ext cx="1542197" cy="143302"/>
+            <a:off x="3451914" y="2452205"/>
+            <a:ext cx="1394980" cy="25228"/>
           </a:xfrm>
           <a:prstGeom prst="straightConnector1">
             <a:avLst/>
@@ -4956,7 +7529,7 @@
         </p:nvSpPr>
         <p:spPr>
           <a:xfrm>
-            <a:off x="4831307" y="1378424"/>
+            <a:off x="4846894" y="1537805"/>
             <a:ext cx="2715905" cy="1828800"/>
           </a:xfrm>
           <a:prstGeom prst="rect">
@@ -4984,13 +7557,13 @@
           <a:lstStyle/>
           <a:p>
             <a:r>
-              <a:rPr lang="en-US" dirty="0" smtClean="0"/>
+              <a:rPr lang="en-US" dirty="0"/>
               <a:t>Test and prototype with the students about what to see and how to use</a:t>
             </a:r>
           </a:p>
           <a:p>
             <a:r>
-              <a:rPr lang="en-US" dirty="0" smtClean="0"/>
+              <a:rPr lang="en-US" dirty="0"/>
               <a:t>Get user feedback </a:t>
             </a:r>
             <a:endParaRPr lang="en-NZ" dirty="0"/>
@@ -5002,13 +7575,14 @@
           <p:cNvPr id="8" name="Straight Arrow Connector 7"/>
           <p:cNvCxnSpPr>
             <a:stCxn id="6" idx="3"/>
+            <a:endCxn id="9" idx="1"/>
           </p:cNvCxnSpPr>
           <p:nvPr/>
         </p:nvCxnSpPr>
         <p:spPr>
-          <a:xfrm flipV="1">
-            <a:off x="7547212" y="2129051"/>
-            <a:ext cx="1216925" cy="163773"/>
+          <a:xfrm>
+            <a:off x="7562799" y="2452205"/>
+            <a:ext cx="1340658" cy="12598"/>
           </a:xfrm>
           <a:prstGeom prst="straightConnector1">
             <a:avLst/>
@@ -5040,7 +7614,7 @@
         </p:nvSpPr>
         <p:spPr>
           <a:xfrm>
-            <a:off x="8764137" y="1378424"/>
+            <a:off x="8903457" y="1550403"/>
             <a:ext cx="2715905" cy="1828800"/>
           </a:xfrm>
           <a:prstGeom prst="rect">
@@ -5068,7 +7642,7 @@
           <a:lstStyle/>
           <a:p>
             <a:r>
-              <a:rPr lang="en-US" dirty="0" smtClean="0"/>
+              <a:rPr lang="en-US" dirty="0"/>
               <a:t>Implement the feature to plan budget – financial planning </a:t>
             </a:r>
             <a:endParaRPr lang="en-NZ" dirty="0"/>
@@ -5080,13 +7654,14 @@
           <p:cNvPr id="12" name="Straight Arrow Connector 11"/>
           <p:cNvCxnSpPr>
             <a:stCxn id="9" idx="2"/>
+            <a:endCxn id="13" idx="0"/>
           </p:cNvCxnSpPr>
           <p:nvPr/>
         </p:nvCxnSpPr>
         <p:spPr>
-          <a:xfrm flipH="1">
-            <a:off x="9635319" y="3207224"/>
-            <a:ext cx="486771" cy="1719618"/>
+          <a:xfrm>
+            <a:off x="10261410" y="3379203"/>
+            <a:ext cx="0" cy="1274684"/>
           </a:xfrm>
           <a:prstGeom prst="straightConnector1">
             <a:avLst/>
@@ -5118,7 +7693,7 @@
         </p:nvSpPr>
         <p:spPr>
           <a:xfrm>
-            <a:off x="8155674" y="4926842"/>
+            <a:off x="8903457" y="4653887"/>
             <a:ext cx="2715905" cy="1828800"/>
           </a:xfrm>
           <a:prstGeom prst="rect">
@@ -5146,13 +7721,13 @@
           <a:lstStyle/>
           <a:p>
             <a:r>
-              <a:rPr lang="en-US" dirty="0" smtClean="0"/>
+              <a:rPr lang="en-US" dirty="0"/>
               <a:t>Test and prototype with the students about what to see and how to use</a:t>
             </a:r>
           </a:p>
           <a:p>
             <a:r>
-              <a:rPr lang="en-US" dirty="0" smtClean="0"/>
+              <a:rPr lang="en-US" dirty="0"/>
               <a:t>Get user feedback </a:t>
             </a:r>
             <a:endParaRPr lang="en-NZ" dirty="0"/>
@@ -5164,13 +7739,14 @@
           <p:cNvPr id="15" name="Straight Arrow Connector 14"/>
           <p:cNvCxnSpPr>
             <a:stCxn id="13" idx="1"/>
+            <a:endCxn id="16" idx="3"/>
           </p:cNvCxnSpPr>
           <p:nvPr/>
         </p:nvCxnSpPr>
         <p:spPr>
           <a:xfrm flipH="1">
-            <a:off x="5513696" y="5841242"/>
-            <a:ext cx="2641978" cy="0"/>
+            <a:off x="7562798" y="5568287"/>
+            <a:ext cx="1340659" cy="0"/>
           </a:xfrm>
           <a:prstGeom prst="straightConnector1">
             <a:avLst/>
@@ -5202,7 +7778,7 @@
         </p:nvSpPr>
         <p:spPr>
           <a:xfrm>
-            <a:off x="2760828" y="4949420"/>
+            <a:off x="4846893" y="4653887"/>
             <a:ext cx="2715905" cy="1828800"/>
           </a:xfrm>
           <a:prstGeom prst="rect">
@@ -5230,13 +7806,13 @@
           <a:lstStyle/>
           <a:p>
             <a:r>
-              <a:rPr lang="en-US" dirty="0" smtClean="0"/>
+              <a:rPr lang="en-US" dirty="0"/>
               <a:t>Implement user feedback</a:t>
             </a:r>
           </a:p>
           <a:p>
             <a:r>
-              <a:rPr lang="en-US" dirty="0" smtClean="0"/>
+              <a:rPr lang="en-US" dirty="0"/>
               <a:t>Marketing campaign </a:t>
             </a:r>
             <a:endParaRPr lang="en-NZ" dirty="0"/>
@@ -5266,7 +7842,7 @@
           <a:lstStyle/>
           <a:p>
             <a:r>
-              <a:rPr lang="en-US" dirty="0" smtClean="0"/>
+              <a:rPr lang="en-US" dirty="0"/>
               <a:t>1 month</a:t>
             </a:r>
             <a:endParaRPr lang="en-NZ" dirty="0"/>
@@ -5296,7 +7872,7 @@
           <a:lstStyle/>
           <a:p>
             <a:r>
-              <a:rPr lang="en-US" dirty="0" smtClean="0"/>
+              <a:rPr lang="en-US" dirty="0"/>
               <a:t>We are here</a:t>
             </a:r>
             <a:endParaRPr lang="en-NZ" dirty="0"/>
@@ -5327,11 +7903,7 @@
           <a:p>
             <a:r>
               <a:rPr lang="en-US" dirty="0"/>
-              <a:t>3</a:t>
-            </a:r>
-            <a:r>
-              <a:rPr lang="en-US" dirty="0" smtClean="0"/>
-              <a:t> month</a:t>
+              <a:t>3 month</a:t>
             </a:r>
             <a:endParaRPr lang="en-NZ" dirty="0"/>
           </a:p>
@@ -5361,11 +7933,7 @@
           <a:p>
             <a:r>
               <a:rPr lang="en-US" dirty="0"/>
-              <a:t>2</a:t>
-            </a:r>
-            <a:r>
-              <a:rPr lang="en-US" dirty="0" smtClean="0"/>
-              <a:t> month</a:t>
+              <a:t>2 month</a:t>
             </a:r>
             <a:endParaRPr lang="en-NZ" dirty="0"/>
           </a:p>
@@ -5379,7 +7947,7 @@
         </p:nvSpPr>
         <p:spPr>
           <a:xfrm>
-            <a:off x="6261479" y="5199797"/>
+            <a:off x="7659921" y="5199797"/>
             <a:ext cx="1146412" cy="368490"/>
           </a:xfrm>
           <a:prstGeom prst="rect">
@@ -5394,7 +7962,7 @@
           <a:lstStyle/>
           <a:p>
             <a:r>
-              <a:rPr lang="en-US" dirty="0" smtClean="0"/>
+              <a:rPr lang="en-US" dirty="0"/>
               <a:t>1 month</a:t>
             </a:r>
             <a:endParaRPr lang="en-NZ" dirty="0"/>

--- a/images/presentation.pptx
+++ b/images/presentation.pptx
@@ -893,7 +893,6 @@
             <a:rPr lang="en-US"/>
             <a:t>B2C</a:t>
           </a:r>
-          <a:endParaRPr lang="en-US"/>
         </a:p>
       </dgm:t>
     </dgm:pt>
@@ -930,7 +929,6 @@
             <a:rPr lang="en-US"/>
             <a:t>Free for individual users</a:t>
           </a:r>
-          <a:endParaRPr lang="en-US"/>
         </a:p>
       </dgm:t>
     </dgm:pt>
@@ -967,7 +965,6 @@
             <a:rPr lang="en-US"/>
             <a:t>B2B</a:t>
           </a:r>
-          <a:endParaRPr lang="en-US"/>
         </a:p>
       </dgm:t>
     </dgm:pt>
@@ -1004,7 +1001,6 @@
             <a:rPr lang="en-US"/>
             <a:t>Monetise the application by leasing online ads </a:t>
           </a:r>
-          <a:endParaRPr lang="en-US"/>
         </a:p>
       </dgm:t>
     </dgm:pt>
@@ -1041,7 +1037,6 @@
             <a:rPr lang="en-US"/>
             <a:t>B2B2C</a:t>
           </a:r>
-          <a:endParaRPr lang="en-US"/>
         </a:p>
       </dgm:t>
     </dgm:pt>
@@ -1078,7 +1073,6 @@
             <a:rPr lang="en-US"/>
             <a:t>Act as bridge between individual users and potential finance services - small fee would be applied</a:t>
           </a:r>
-          <a:endParaRPr lang="en-US"/>
         </a:p>
       </dgm:t>
     </dgm:pt>
@@ -1113,19 +1107,32 @@
         <a:p>
           <a:r>
             <a:rPr lang="en-US"/>
-            <a:t>Small registration fee would be apply to unlock full function including finance planner etc. </a:t>
+            <a:t>Small registration fee would be applied to unlock full function including the finance planner etc. </a:t>
           </a:r>
-          <a:endParaRPr lang="en-US"/>
         </a:p>
       </dgm:t>
     </dgm:pt>
     <dgm:pt modelId="{6206F262-9E39-4920-9767-FE8403D3B82D}" type="parTrans" cxnId="{2DC7DD92-002E-4B0E-8D79-2A5CDE5FEDF8}">
       <dgm:prSet/>
       <dgm:spPr/>
+      <dgm:t>
+        <a:bodyPr/>
+        <a:lstStyle/>
+        <a:p>
+          <a:endParaRPr lang="en-US"/>
+        </a:p>
+      </dgm:t>
     </dgm:pt>
     <dgm:pt modelId="{23886C32-821E-4CA7-8C87-1CBDC60A6E21}" type="sibTrans" cxnId="{2DC7DD92-002E-4B0E-8D79-2A5CDE5FEDF8}">
       <dgm:prSet/>
       <dgm:spPr/>
+      <dgm:t>
+        <a:bodyPr/>
+        <a:lstStyle/>
+        <a:p>
+          <a:endParaRPr lang="en-US"/>
+        </a:p>
+      </dgm:t>
     </dgm:pt>
     <dgm:pt modelId="{C9480B14-24D6-4890-B200-8FE7C0EA4858}" type="pres">
       <dgm:prSet presAssocID="{176E231D-6520-4399-B4B2-C8DBD241B4C2}" presName="Name0" presStyleCnt="0">
@@ -1265,8 +1272,8 @@
       </dsp:nvSpPr>
       <dsp:spPr>
         <a:xfrm>
-          <a:off x="3518" y="81339"/>
-          <a:ext cx="3430053" cy="864000"/>
+          <a:off x="3518" y="47005"/>
+          <a:ext cx="3430053" cy="806400"/>
         </a:xfrm>
         <a:prstGeom prst="rect">
           <a:avLst/>
@@ -1308,12 +1315,12 @@
         </a:fontRef>
       </dsp:style>
       <dsp:txBody>
-        <a:bodyPr spcFirstLastPara="0" vert="horz" wrap="square" lIns="213360" tIns="121920" rIns="213360" bIns="121920" numCol="1" spcCol="1270" anchor="ctr" anchorCtr="0">
+        <a:bodyPr spcFirstLastPara="0" vert="horz" wrap="square" lIns="199136" tIns="113792" rIns="199136" bIns="113792" numCol="1" spcCol="1270" anchor="ctr" anchorCtr="0">
           <a:noAutofit/>
         </a:bodyPr>
         <a:lstStyle/>
         <a:p>
-          <a:pPr lvl="0" algn="ctr" defTabSz="1333500">
+          <a:pPr lvl="0" algn="ctr" defTabSz="1244600">
             <a:lnSpc>
               <a:spcPct val="90000"/>
             </a:lnSpc>
@@ -1325,15 +1332,14 @@
             </a:spcAft>
           </a:pPr>
           <a:r>
-            <a:rPr lang="en-US" sz="3000" kern="1200"/>
+            <a:rPr lang="en-US" sz="2800" kern="1200"/>
             <a:t>B2C</a:t>
           </a:r>
-          <a:endParaRPr lang="en-US" sz="3000" kern="1200"/>
         </a:p>
       </dsp:txBody>
       <dsp:txXfrm>
-        <a:off x="3518" y="81339"/>
-        <a:ext cx="3430053" cy="864000"/>
+        <a:off x="3518" y="47005"/>
+        <a:ext cx="3430053" cy="806400"/>
       </dsp:txXfrm>
     </dsp:sp>
     <dsp:sp modelId="{18C64F83-08C7-4D0C-BB9A-6DABDD5D9756}">
@@ -1343,8 +1349,8 @@
       </dsp:nvSpPr>
       <dsp:spPr>
         <a:xfrm>
-          <a:off x="3518" y="945339"/>
-          <a:ext cx="3430053" cy="3870450"/>
+          <a:off x="3518" y="853405"/>
+          <a:ext cx="3430053" cy="3996719"/>
         </a:xfrm>
         <a:prstGeom prst="rect">
           <a:avLst/>
@@ -1388,12 +1394,12 @@
         <a:fontRef idx="minor"/>
       </dsp:style>
       <dsp:txBody>
-        <a:bodyPr spcFirstLastPara="0" vert="horz" wrap="square" lIns="160020" tIns="160020" rIns="213360" bIns="240030" numCol="1" spcCol="1270" anchor="t" anchorCtr="0">
+        <a:bodyPr spcFirstLastPara="0" vert="horz" wrap="square" lIns="149352" tIns="149352" rIns="199136" bIns="224028" numCol="1" spcCol="1270" anchor="t" anchorCtr="0">
           <a:noAutofit/>
         </a:bodyPr>
         <a:lstStyle/>
         <a:p>
-          <a:pPr marL="285750" lvl="1" indent="-285750" algn="l" defTabSz="1333500">
+          <a:pPr marL="285750" lvl="1" indent="-285750" algn="l" defTabSz="1244600">
             <a:lnSpc>
               <a:spcPct val="90000"/>
             </a:lnSpc>
@@ -1406,13 +1412,12 @@
             <a:buChar char="••"/>
           </a:pPr>
           <a:r>
-            <a:rPr lang="en-US" sz="3000" kern="1200"/>
+            <a:rPr lang="en-US" sz="2800" kern="1200"/>
             <a:t>Free for individual users</a:t>
           </a:r>
-          <a:endParaRPr lang="en-US" sz="3000" kern="1200"/>
         </a:p>
         <a:p>
-          <a:pPr marL="285750" lvl="1" indent="-285750" algn="l" defTabSz="1333500">
+          <a:pPr marL="285750" lvl="1" indent="-285750" algn="l" defTabSz="1244600">
             <a:lnSpc>
               <a:spcPct val="90000"/>
             </a:lnSpc>
@@ -1425,15 +1430,14 @@
             <a:buChar char="••"/>
           </a:pPr>
           <a:r>
-            <a:rPr lang="en-US" sz="3000" kern="1200"/>
-            <a:t>Small registration fee would be apply to unlock full function including finance planner etc. </a:t>
+            <a:rPr lang="en-US" sz="2800" kern="1200"/>
+            <a:t>Small registration fee would be applied to unlock full function including the finance planner etc. </a:t>
           </a:r>
-          <a:endParaRPr lang="en-US" sz="3000" kern="1200"/>
         </a:p>
       </dsp:txBody>
       <dsp:txXfrm>
-        <a:off x="3518" y="945339"/>
-        <a:ext cx="3430053" cy="3870450"/>
+        <a:off x="3518" y="853405"/>
+        <a:ext cx="3430053" cy="3996719"/>
       </dsp:txXfrm>
     </dsp:sp>
     <dsp:sp modelId="{3C4EEECC-1B43-46C7-AA1B-7E69C24B0237}">
@@ -1443,8 +1447,8 @@
       </dsp:nvSpPr>
       <dsp:spPr>
         <a:xfrm>
-          <a:off x="3913779" y="81339"/>
-          <a:ext cx="3430053" cy="864000"/>
+          <a:off x="3913779" y="47005"/>
+          <a:ext cx="3430053" cy="806400"/>
         </a:xfrm>
         <a:prstGeom prst="rect">
           <a:avLst/>
@@ -1486,12 +1490,12 @@
         </a:fontRef>
       </dsp:style>
       <dsp:txBody>
-        <a:bodyPr spcFirstLastPara="0" vert="horz" wrap="square" lIns="213360" tIns="121920" rIns="213360" bIns="121920" numCol="1" spcCol="1270" anchor="ctr" anchorCtr="0">
+        <a:bodyPr spcFirstLastPara="0" vert="horz" wrap="square" lIns="199136" tIns="113792" rIns="199136" bIns="113792" numCol="1" spcCol="1270" anchor="ctr" anchorCtr="0">
           <a:noAutofit/>
         </a:bodyPr>
         <a:lstStyle/>
         <a:p>
-          <a:pPr lvl="0" algn="ctr" defTabSz="1333500">
+          <a:pPr lvl="0" algn="ctr" defTabSz="1244600">
             <a:lnSpc>
               <a:spcPct val="90000"/>
             </a:lnSpc>
@@ -1503,15 +1507,14 @@
             </a:spcAft>
           </a:pPr>
           <a:r>
-            <a:rPr lang="en-US" sz="3000" kern="1200"/>
+            <a:rPr lang="en-US" sz="2800" kern="1200"/>
             <a:t>B2B</a:t>
           </a:r>
-          <a:endParaRPr lang="en-US" sz="3000" kern="1200"/>
         </a:p>
       </dsp:txBody>
       <dsp:txXfrm>
-        <a:off x="3913779" y="81339"/>
-        <a:ext cx="3430053" cy="864000"/>
+        <a:off x="3913779" y="47005"/>
+        <a:ext cx="3430053" cy="806400"/>
       </dsp:txXfrm>
     </dsp:sp>
     <dsp:sp modelId="{A242F546-275C-48DA-98FC-5996A3939736}">
@@ -1521,8 +1524,8 @@
       </dsp:nvSpPr>
       <dsp:spPr>
         <a:xfrm>
-          <a:off x="3913779" y="945339"/>
-          <a:ext cx="3430053" cy="3870450"/>
+          <a:off x="3913779" y="853405"/>
+          <a:ext cx="3430053" cy="3996719"/>
         </a:xfrm>
         <a:prstGeom prst="rect">
           <a:avLst/>
@@ -1566,12 +1569,12 @@
         <a:fontRef idx="minor"/>
       </dsp:style>
       <dsp:txBody>
-        <a:bodyPr spcFirstLastPara="0" vert="horz" wrap="square" lIns="160020" tIns="160020" rIns="213360" bIns="240030" numCol="1" spcCol="1270" anchor="t" anchorCtr="0">
+        <a:bodyPr spcFirstLastPara="0" vert="horz" wrap="square" lIns="149352" tIns="149352" rIns="199136" bIns="224028" numCol="1" spcCol="1270" anchor="t" anchorCtr="0">
           <a:noAutofit/>
         </a:bodyPr>
         <a:lstStyle/>
         <a:p>
-          <a:pPr marL="285750" lvl="1" indent="-285750" algn="l" defTabSz="1333500">
+          <a:pPr marL="285750" lvl="1" indent="-285750" algn="l" defTabSz="1244600">
             <a:lnSpc>
               <a:spcPct val="90000"/>
             </a:lnSpc>
@@ -1584,15 +1587,14 @@
             <a:buChar char="••"/>
           </a:pPr>
           <a:r>
-            <a:rPr lang="en-US" sz="3000" kern="1200"/>
+            <a:rPr lang="en-US" sz="2800" kern="1200"/>
             <a:t>Monetise the application by leasing online ads </a:t>
           </a:r>
-          <a:endParaRPr lang="en-US" sz="3000" kern="1200"/>
         </a:p>
       </dsp:txBody>
       <dsp:txXfrm>
-        <a:off x="3913779" y="945339"/>
-        <a:ext cx="3430053" cy="3870450"/>
+        <a:off x="3913779" y="853405"/>
+        <a:ext cx="3430053" cy="3996719"/>
       </dsp:txXfrm>
     </dsp:sp>
     <dsp:sp modelId="{84C8DAA7-F765-43E3-B1F4-DB7A2D2378CC}">
@@ -1602,8 +1604,8 @@
       </dsp:nvSpPr>
       <dsp:spPr>
         <a:xfrm>
-          <a:off x="7824041" y="81339"/>
-          <a:ext cx="3430053" cy="864000"/>
+          <a:off x="7824041" y="47005"/>
+          <a:ext cx="3430053" cy="806400"/>
         </a:xfrm>
         <a:prstGeom prst="rect">
           <a:avLst/>
@@ -1645,12 +1647,12 @@
         </a:fontRef>
       </dsp:style>
       <dsp:txBody>
-        <a:bodyPr spcFirstLastPara="0" vert="horz" wrap="square" lIns="213360" tIns="121920" rIns="213360" bIns="121920" numCol="1" spcCol="1270" anchor="ctr" anchorCtr="0">
+        <a:bodyPr spcFirstLastPara="0" vert="horz" wrap="square" lIns="199136" tIns="113792" rIns="199136" bIns="113792" numCol="1" spcCol="1270" anchor="ctr" anchorCtr="0">
           <a:noAutofit/>
         </a:bodyPr>
         <a:lstStyle/>
         <a:p>
-          <a:pPr lvl="0" algn="ctr" defTabSz="1333500">
+          <a:pPr lvl="0" algn="ctr" defTabSz="1244600">
             <a:lnSpc>
               <a:spcPct val="90000"/>
             </a:lnSpc>
@@ -1662,15 +1664,14 @@
             </a:spcAft>
           </a:pPr>
           <a:r>
-            <a:rPr lang="en-US" sz="3000" kern="1200"/>
+            <a:rPr lang="en-US" sz="2800" kern="1200"/>
             <a:t>B2B2C</a:t>
           </a:r>
-          <a:endParaRPr lang="en-US" sz="3000" kern="1200"/>
         </a:p>
       </dsp:txBody>
       <dsp:txXfrm>
-        <a:off x="7824041" y="81339"/>
-        <a:ext cx="3430053" cy="864000"/>
+        <a:off x="7824041" y="47005"/>
+        <a:ext cx="3430053" cy="806400"/>
       </dsp:txXfrm>
     </dsp:sp>
     <dsp:sp modelId="{87AF9ED1-3C5F-497F-AC5A-A015C738B01F}">
@@ -1680,8 +1681,8 @@
       </dsp:nvSpPr>
       <dsp:spPr>
         <a:xfrm>
-          <a:off x="7824041" y="945339"/>
-          <a:ext cx="3430053" cy="3870450"/>
+          <a:off x="7824041" y="853405"/>
+          <a:ext cx="3430053" cy="3996719"/>
         </a:xfrm>
         <a:prstGeom prst="rect">
           <a:avLst/>
@@ -1725,12 +1726,12 @@
         <a:fontRef idx="minor"/>
       </dsp:style>
       <dsp:txBody>
-        <a:bodyPr spcFirstLastPara="0" vert="horz" wrap="square" lIns="160020" tIns="160020" rIns="213360" bIns="240030" numCol="1" spcCol="1270" anchor="t" anchorCtr="0">
+        <a:bodyPr spcFirstLastPara="0" vert="horz" wrap="square" lIns="149352" tIns="149352" rIns="199136" bIns="224028" numCol="1" spcCol="1270" anchor="t" anchorCtr="0">
           <a:noAutofit/>
         </a:bodyPr>
         <a:lstStyle/>
         <a:p>
-          <a:pPr marL="285750" lvl="1" indent="-285750" algn="l" defTabSz="1333500">
+          <a:pPr marL="285750" lvl="1" indent="-285750" algn="l" defTabSz="1244600">
             <a:lnSpc>
               <a:spcPct val="90000"/>
             </a:lnSpc>
@@ -1743,15 +1744,14 @@
             <a:buChar char="••"/>
           </a:pPr>
           <a:r>
-            <a:rPr lang="en-US" sz="3000" kern="1200"/>
+            <a:rPr lang="en-US" sz="2800" kern="1200"/>
             <a:t>Act as bridge between individual users and potential finance services - small fee would be applied</a:t>
           </a:r>
-          <a:endParaRPr lang="en-US" sz="3000" kern="1200"/>
         </a:p>
       </dsp:txBody>
       <dsp:txXfrm>
-        <a:off x="7824041" y="945339"/>
-        <a:ext cx="3430053" cy="3870450"/>
+        <a:off x="7824041" y="853405"/>
+        <a:ext cx="3430053" cy="3996719"/>
       </dsp:txXfrm>
     </dsp:sp>
   </dsp:spTree>
@@ -7173,8 +7173,8 @@
         </p:nvSpPr>
         <p:spPr>
           <a:xfrm>
-            <a:off x="3786717" y="770036"/>
-            <a:ext cx="4618572" cy="923330"/>
+            <a:off x="3860456" y="770036"/>
+            <a:ext cx="4471096" cy="923330"/>
           </a:xfrm>
           <a:prstGeom prst="rect">
             <a:avLst/>
@@ -7188,6 +7188,35 @@
           <a:lstStyle/>
           <a:p>
             <a:pPr algn="ctr"/>
+            <a:r>
+              <a:rPr lang="en-US" sz="5400">
+                <a:ln w="0"/>
+                <a:effectLst>
+                  <a:outerShdw blurRad="38100" dist="19050" dir="2700000" algn="tl" rotWithShape="0">
+                    <a:schemeClr val="dk1">
+                      <a:alpha val="40000"/>
+                    </a:schemeClr>
+                  </a:outerShdw>
+                </a:effectLst>
+              </a:rPr>
+              <a:t>Finance</a:t>
+            </a:r>
+            <a:r>
+              <a:rPr lang="en-US" sz="5400" b="0" cap="none" spc="0">
+                <a:ln w="0"/>
+                <a:solidFill>
+                  <a:schemeClr val="tx1"/>
+                </a:solidFill>
+                <a:effectLst>
+                  <a:outerShdw blurRad="38100" dist="19050" dir="2700000" algn="tl" rotWithShape="0">
+                    <a:schemeClr val="dk1">
+                      <a:alpha val="40000"/>
+                    </a:schemeClr>
+                  </a:outerShdw>
+                </a:effectLst>
+              </a:rPr>
+              <a:t> </a:t>
+            </a:r>
             <a:r>
               <a:rPr lang="en-US" sz="5400" b="0" cap="none" spc="0" dirty="0">
                 <a:ln w="0"/>
@@ -7202,7 +7231,7 @@
                   </a:outerShdw>
                 </a:effectLst>
               </a:rPr>
-              <a:t>Financial Planer</a:t>
+              <a:t>Planer</a:t>
             </a:r>
           </a:p>
         </p:txBody>
@@ -7329,7 +7358,7 @@
           <p:nvPr>
             <p:extLst>
               <p:ext uri="{D42A27DB-BD31-4B8C-83A1-F6EECF244321}">
-                <p14:modId xmlns:p14="http://schemas.microsoft.com/office/powerpoint/2010/main" val="38714633"/>
+                <p14:modId xmlns:p14="http://schemas.microsoft.com/office/powerpoint/2010/main" val="3149679205"/>
               </p:ext>
             </p:extLst>
           </p:nvPr>
@@ -7562,9 +7591,16 @@
             </a:r>
           </a:p>
           <a:p>
+            <a:endParaRPr lang="en-US"/>
+          </a:p>
+          <a:p>
+            <a:r>
+              <a:rPr lang="en-US"/>
+              <a:t>Get </a:t>
+            </a:r>
             <a:r>
               <a:rPr lang="en-US" dirty="0"/>
-              <a:t>Get user feedback </a:t>
+              <a:t>user feedback </a:t>
             </a:r>
             <a:endParaRPr lang="en-NZ" dirty="0"/>
           </a:p>
